--- a/01_OT/OT_캡스톤디자인_안내.pptx
+++ b/01_OT/OT_캡스톤디자인_안내.pptx
@@ -5,7 +5,7 @@
     <p:sldMasterId id="2147483648" r:id="rId1"/>
   </p:sldMasterIdLst>
   <p:notesMasterIdLst>
-    <p:notesMasterId r:id="rId29"/>
+    <p:notesMasterId r:id="rId22"/>
   </p:notesMasterIdLst>
   <p:sldIdLst>
     <p:sldId id="256" r:id="rId2"/>
@@ -28,13 +28,6 @@
     <p:sldId id="294" r:id="rId19"/>
     <p:sldId id="295" r:id="rId20"/>
     <p:sldId id="296" r:id="rId21"/>
-    <p:sldId id="301" r:id="rId22"/>
-    <p:sldId id="308" r:id="rId23"/>
-    <p:sldId id="307" r:id="rId24"/>
-    <p:sldId id="303" r:id="rId25"/>
-    <p:sldId id="304" r:id="rId26"/>
-    <p:sldId id="305" r:id="rId27"/>
-    <p:sldId id="306" r:id="rId28"/>
   </p:sldIdLst>
   <p:sldSz cx="9144000" cy="6858000" type="screen4x3"/>
   <p:notesSz cx="6797675" cy="9926638"/>
@@ -267,7 +260,7 @@
           <a:p>
             <a:fld id="{D84A09E5-CCBB-4508-A076-858ED05C5585}" type="datetimeFigureOut">
               <a:rPr lang="ko-KR" altLang="en-US" smtClean="0"/>
-              <a:t>2021-03-02</a:t>
+              <a:t>2021-03-03</a:t>
             </a:fld>
             <a:endParaRPr lang="ko-KR" altLang="en-US"/>
           </a:p>
@@ -1238,13 +1231,8 @@
           <a:p>
             <a:r>
               <a:rPr lang="ko-KR" altLang="en-US" dirty="0" smtClean="0"/>
-              <a:t>이것을 통해 취업에 스토리를 만들</a:t>
-            </a:r>
-            <a:r>
-              <a:rPr lang="ko-KR" altLang="en-US" dirty="0" smtClean="0"/>
-              <a:t>자</a:t>
-            </a:r>
-            <a:endParaRPr lang="ko-KR" altLang="en-US" dirty="0" smtClean="0"/>
+              <a:t>이것을 통해 취업에 스토리를 만들자</a:t>
+            </a:r>
           </a:p>
           <a:p>
             <a:endParaRPr lang="ko-KR" altLang="en-US" dirty="0"/>
@@ -1362,190 +1350,6 @@
     <p:extLst>
       <p:ext uri="{BB962C8B-B14F-4D97-AF65-F5344CB8AC3E}">
         <p14:creationId xmlns:p14="http://schemas.microsoft.com/office/powerpoint/2010/main" val="674830208"/>
-      </p:ext>
-    </p:extLst>
-  </p:cSld>
-  <p:clrMapOvr>
-    <a:masterClrMapping/>
-  </p:clrMapOvr>
-</p:notes>
-</file>
-
-<file path=ppt/notesSlides/notesSlide4.xml><?xml version="1.0" encoding="utf-8"?>
-<p:notes xmlns:a="http://schemas.openxmlformats.org/drawingml/2006/main" xmlns:r="http://schemas.openxmlformats.org/officeDocument/2006/relationships" xmlns:p="http://schemas.openxmlformats.org/presentationml/2006/main">
-  <p:cSld>
-    <p:spTree>
-      <p:nvGrpSpPr>
-        <p:cNvPr id="1" name=""/>
-        <p:cNvGrpSpPr/>
-        <p:nvPr/>
-      </p:nvGrpSpPr>
-      <p:grpSpPr>
-        <a:xfrm>
-          <a:off x="0" y="0"/>
-          <a:ext cx="0" cy="0"/>
-          <a:chOff x="0" y="0"/>
-          <a:chExt cx="0" cy="0"/>
-        </a:xfrm>
-      </p:grpSpPr>
-      <p:sp>
-        <p:nvSpPr>
-          <p:cNvPr id="2" name="슬라이드 이미지 개체 틀 1"/>
-          <p:cNvSpPr>
-            <a:spLocks noGrp="1" noRot="1" noChangeAspect="1"/>
-          </p:cNvSpPr>
-          <p:nvPr>
-            <p:ph type="sldImg"/>
-          </p:nvPr>
-        </p:nvSpPr>
-        <p:spPr/>
-      </p:sp>
-      <p:sp>
-        <p:nvSpPr>
-          <p:cNvPr id="3" name="슬라이드 노트 개체 틀 2"/>
-          <p:cNvSpPr>
-            <a:spLocks noGrp="1"/>
-          </p:cNvSpPr>
-          <p:nvPr>
-            <p:ph type="body" idx="1"/>
-          </p:nvPr>
-        </p:nvSpPr>
-        <p:spPr/>
-        <p:txBody>
-          <a:bodyPr/>
-          <a:lstStyle/>
-          <a:p>
-            <a:pPr lvl="1"/>
-            <a:r>
-              <a:rPr lang="ko-KR" altLang="en-US" baseline="0" dirty="0" smtClean="0"/>
-              <a:t>여기서도 취업에 필요한 스토리를 하나 </a:t>
-            </a:r>
-            <a:r>
-              <a:rPr lang="ko-KR" altLang="en-US" baseline="0" dirty="0" err="1" smtClean="0"/>
-              <a:t>만들어냄</a:t>
-            </a:r>
-            <a:endParaRPr lang="en-US" altLang="ko-KR" baseline="0" dirty="0" smtClean="0"/>
-          </a:p>
-          <a:p>
-            <a:pPr lvl="1"/>
-            <a:r>
-              <a:rPr lang="en-US" altLang="ko-KR" baseline="0" dirty="0" smtClean="0"/>
-              <a:t>2. </a:t>
-            </a:r>
-            <a:r>
-              <a:rPr lang="ko-KR" altLang="en-US" baseline="0" dirty="0" smtClean="0"/>
-              <a:t>능력  </a:t>
-            </a:r>
-            <a:r>
-              <a:rPr lang="ko-KR" altLang="en-US" baseline="0" dirty="0" err="1" smtClean="0"/>
-              <a:t>중요하긴하지만</a:t>
-            </a:r>
-            <a:r>
-              <a:rPr lang="ko-KR" altLang="en-US" baseline="0" dirty="0" smtClean="0"/>
-              <a:t> </a:t>
-            </a:r>
-            <a:r>
-              <a:rPr lang="en-US" altLang="ko-KR" baseline="0" dirty="0" smtClean="0"/>
-              <a:t>1</a:t>
-            </a:r>
-            <a:r>
-              <a:rPr lang="ko-KR" altLang="en-US" baseline="0" dirty="0" smtClean="0"/>
-              <a:t>순위는 아님</a:t>
-            </a:r>
-            <a:r>
-              <a:rPr lang="en-US" altLang="ko-KR" baseline="0" dirty="0" smtClean="0"/>
-              <a:t>– </a:t>
-            </a:r>
-            <a:r>
-              <a:rPr lang="ko-KR" altLang="en-US" baseline="0" dirty="0" smtClean="0"/>
-              <a:t>회사에서는 최소</a:t>
-            </a:r>
-            <a:r>
-              <a:rPr lang="en-US" altLang="ko-KR" baseline="0" dirty="0" smtClean="0"/>
-              <a:t>1</a:t>
-            </a:r>
-            <a:r>
-              <a:rPr lang="ko-KR" altLang="en-US" baseline="0" dirty="0" smtClean="0"/>
-              <a:t>년은 가르치는 시간이라고 생각함</a:t>
-            </a:r>
-            <a:r>
-              <a:rPr lang="en-US" altLang="ko-KR" baseline="0" dirty="0" smtClean="0"/>
-              <a:t>. </a:t>
-            </a:r>
-            <a:r>
-              <a:rPr lang="ko-KR" altLang="en-US" baseline="0" dirty="0" smtClean="0"/>
-              <a:t>신입사원한테 대단한 뭔가를 원하지 않음</a:t>
-            </a:r>
-            <a:endParaRPr lang="en-US" altLang="ko-KR" baseline="0" dirty="0" smtClean="0"/>
-          </a:p>
-          <a:p>
-            <a:pPr lvl="1"/>
-            <a:r>
-              <a:rPr lang="en-US" altLang="ko-KR" baseline="0" dirty="0" smtClean="0"/>
-              <a:t>, </a:t>
-            </a:r>
-            <a:r>
-              <a:rPr lang="ko-KR" altLang="en-US" baseline="0" dirty="0" smtClean="0"/>
-              <a:t>물론 능력도 있지만</a:t>
-            </a:r>
-            <a:r>
-              <a:rPr lang="en-US" altLang="ko-KR" baseline="0" dirty="0" smtClean="0"/>
-              <a:t>, </a:t>
-            </a:r>
-            <a:r>
-              <a:rPr lang="ko-KR" altLang="en-US" baseline="0" dirty="0" smtClean="0"/>
-              <a:t>요즘은 하나의 프로젝트를 혼자 진행하기 어려움</a:t>
-            </a:r>
-            <a:r>
-              <a:rPr lang="en-US" altLang="ko-KR" baseline="0" dirty="0" smtClean="0"/>
-              <a:t>, -&gt; </a:t>
-            </a:r>
-            <a:r>
-              <a:rPr lang="ko-KR" altLang="en-US" baseline="0" dirty="0" smtClean="0"/>
-              <a:t>인성을 봄 사람들과 트러블 없이 일을 잘 </a:t>
-            </a:r>
-            <a:r>
-              <a:rPr lang="ko-KR" altLang="en-US" baseline="0" dirty="0" err="1" smtClean="0"/>
-              <a:t>진행할수</a:t>
-            </a:r>
-            <a:r>
-              <a:rPr lang="ko-KR" altLang="en-US" baseline="0" dirty="0" smtClean="0"/>
-              <a:t> 있는가</a:t>
-            </a:r>
-            <a:endParaRPr lang="en-US" altLang="ko-KR" baseline="0" dirty="0" smtClean="0"/>
-          </a:p>
-          <a:p>
-            <a:endParaRPr lang="ko-KR" altLang="en-US" dirty="0"/>
-          </a:p>
-        </p:txBody>
-      </p:sp>
-      <p:sp>
-        <p:nvSpPr>
-          <p:cNvPr id="4" name="슬라이드 번호 개체 틀 3"/>
-          <p:cNvSpPr>
-            <a:spLocks noGrp="1"/>
-          </p:cNvSpPr>
-          <p:nvPr>
-            <p:ph type="sldNum" sz="quarter" idx="10"/>
-          </p:nvPr>
-        </p:nvSpPr>
-        <p:spPr/>
-        <p:txBody>
-          <a:bodyPr/>
-          <a:lstStyle/>
-          <a:p>
-            <a:fld id="{40B72EFD-C060-4706-BC9F-C13BB0F4402C}" type="slidenum">
-              <a:rPr lang="ko-KR" altLang="en-US" smtClean="0"/>
-              <a:t>22</a:t>
-            </a:fld>
-            <a:endParaRPr lang="ko-KR" altLang="en-US"/>
-          </a:p>
-        </p:txBody>
-      </p:sp>
-    </p:spTree>
-    <p:extLst>
-      <p:ext uri="{BB962C8B-B14F-4D97-AF65-F5344CB8AC3E}">
-        <p14:creationId xmlns:p14="http://schemas.microsoft.com/office/powerpoint/2010/main" val="3287731885"/>
       </p:ext>
     </p:extLst>
   </p:cSld>
@@ -8192,14 +7996,47 @@
             <p:ph idx="1"/>
           </p:nvPr>
         </p:nvSpPr>
-        <p:spPr/>
+        <p:spPr>
+          <a:xfrm>
+            <a:off x="457200" y="1235075"/>
+            <a:ext cx="8229600" cy="5074245"/>
+          </a:xfrm>
+        </p:spPr>
         <p:txBody>
-          <a:bodyPr/>
+          <a:bodyPr>
+            <a:normAutofit lnSpcReduction="10000"/>
+          </a:bodyPr>
           <a:lstStyle/>
           <a:p>
+            <a:pPr>
+              <a:buFont typeface="Arial" panose="020B0604020202020204" pitchFamily="34" charset="0"/>
+              <a:buChar char="•"/>
+            </a:pPr>
             <a:r>
               <a:rPr lang="ko-KR" altLang="en-US" dirty="0" smtClean="0"/>
-              <a:t>지원금 개요</a:t>
+              <a:t>담당자 </a:t>
+            </a:r>
+            <a:r>
+              <a:rPr lang="en-US" altLang="ko-KR" dirty="0" smtClean="0"/>
+              <a:t>: SW</a:t>
+            </a:r>
+            <a:r>
+              <a:rPr lang="ko-KR" altLang="en-US" dirty="0" smtClean="0"/>
+              <a:t>중심대학 사업단 최유정</a:t>
+            </a:r>
+            <a:r>
+              <a:rPr lang="en-US" altLang="ko-KR" dirty="0" smtClean="0"/>
+              <a:t>(033-248-3344)</a:t>
+            </a:r>
+          </a:p>
+          <a:p>
+            <a:r>
+              <a:rPr lang="ko-KR" altLang="en-US" dirty="0" smtClean="0"/>
+              <a:t>지원금 </a:t>
+            </a:r>
+            <a:r>
+              <a:rPr lang="ko-KR" altLang="en-US" dirty="0" smtClean="0"/>
+              <a:t>개요</a:t>
             </a:r>
             <a:endParaRPr lang="en-US" altLang="ko-KR" dirty="0" smtClean="0"/>
           </a:p>
@@ -17430,1890 +17267,6 @@
 </p:sld>
 </file>
 
-<file path=ppt/slides/slide21.xml><?xml version="1.0" encoding="utf-8"?>
-<p:sld xmlns:a="http://schemas.openxmlformats.org/drawingml/2006/main" xmlns:r="http://schemas.openxmlformats.org/officeDocument/2006/relationships" xmlns:p="http://schemas.openxmlformats.org/presentationml/2006/main">
-  <p:cSld>
-    <p:spTree>
-      <p:nvGrpSpPr>
-        <p:cNvPr id="1" name=""/>
-        <p:cNvGrpSpPr/>
-        <p:nvPr/>
-      </p:nvGrpSpPr>
-      <p:grpSpPr>
-        <a:xfrm>
-          <a:off x="0" y="0"/>
-          <a:ext cx="0" cy="0"/>
-          <a:chOff x="0" y="0"/>
-          <a:chExt cx="0" cy="0"/>
-        </a:xfrm>
-      </p:grpSpPr>
-      <p:sp>
-        <p:nvSpPr>
-          <p:cNvPr id="2" name="제목 1"/>
-          <p:cNvSpPr>
-            <a:spLocks noGrp="1"/>
-          </p:cNvSpPr>
-          <p:nvPr>
-            <p:ph type="ctrTitle"/>
-          </p:nvPr>
-        </p:nvSpPr>
-        <p:spPr/>
-        <p:txBody>
-          <a:bodyPr/>
-          <a:lstStyle/>
-          <a:p>
-            <a:r>
-              <a:rPr lang="en-US" altLang="ko-KR" dirty="0" smtClean="0"/>
-              <a:t>10. </a:t>
-            </a:r>
-            <a:r>
-              <a:rPr lang="ko-KR" altLang="en-US" dirty="0" smtClean="0"/>
-              <a:t>프로젝트 개발 과정 및 산출물 안내</a:t>
-            </a:r>
-            <a:endParaRPr lang="ko-KR" altLang="en-US" dirty="0"/>
-          </a:p>
-        </p:txBody>
-      </p:sp>
-      <p:sp>
-        <p:nvSpPr>
-          <p:cNvPr id="6" name="부제목 5"/>
-          <p:cNvSpPr>
-            <a:spLocks noGrp="1"/>
-          </p:cNvSpPr>
-          <p:nvPr>
-            <p:ph type="subTitle" idx="1"/>
-          </p:nvPr>
-        </p:nvSpPr>
-        <p:spPr/>
-        <p:txBody>
-          <a:bodyPr/>
-          <a:lstStyle/>
-          <a:p>
-            <a:endParaRPr lang="ko-KR" altLang="en-US" dirty="0"/>
-          </a:p>
-        </p:txBody>
-      </p:sp>
-      <p:sp>
-        <p:nvSpPr>
-          <p:cNvPr id="4" name="바닥글 개체 틀 3"/>
-          <p:cNvSpPr>
-            <a:spLocks noGrp="1"/>
-          </p:cNvSpPr>
-          <p:nvPr>
-            <p:ph type="ftr" sz="quarter" idx="11"/>
-          </p:nvPr>
-        </p:nvSpPr>
-        <p:spPr/>
-        <p:txBody>
-          <a:bodyPr/>
-          <a:lstStyle/>
-          <a:p>
-            <a:pPr>
-              <a:defRPr/>
-            </a:pPr>
-            <a:r>
-              <a:rPr lang="ko-KR" altLang="en-US" smtClean="0"/>
-              <a:t> 캡스톤 디자인</a:t>
-            </a:r>
-            <a:endParaRPr lang="en-US" altLang="ko-KR" dirty="0"/>
-          </a:p>
-        </p:txBody>
-      </p:sp>
-      <p:sp>
-        <p:nvSpPr>
-          <p:cNvPr id="5" name="슬라이드 번호 개체 틀 4"/>
-          <p:cNvSpPr>
-            <a:spLocks noGrp="1"/>
-          </p:cNvSpPr>
-          <p:nvPr>
-            <p:ph type="sldNum" sz="quarter" idx="12"/>
-          </p:nvPr>
-        </p:nvSpPr>
-        <p:spPr/>
-        <p:txBody>
-          <a:bodyPr/>
-          <a:lstStyle/>
-          <a:p>
-            <a:pPr>
-              <a:defRPr/>
-            </a:pPr>
-            <a:fld id="{74FB7142-74FB-426E-B185-2DFDDD84B7D7}" type="slidenum">
-              <a:rPr lang="en-US" altLang="ko-KR" smtClean="0"/>
-              <a:pPr>
-                <a:defRPr/>
-              </a:pPr>
-              <a:t>21</a:t>
-            </a:fld>
-            <a:endParaRPr lang="en-US" altLang="ko-KR"/>
-          </a:p>
-        </p:txBody>
-      </p:sp>
-    </p:spTree>
-    <p:extLst>
-      <p:ext uri="{BB962C8B-B14F-4D97-AF65-F5344CB8AC3E}">
-        <p14:creationId xmlns:p14="http://schemas.microsoft.com/office/powerpoint/2010/main" val="2966098116"/>
-      </p:ext>
-    </p:extLst>
-  </p:cSld>
-  <p:clrMapOvr>
-    <a:masterClrMapping/>
-  </p:clrMapOvr>
-</p:sld>
-</file>
-
-<file path=ppt/slides/slide22.xml><?xml version="1.0" encoding="utf-8"?>
-<p:sld xmlns:a="http://schemas.openxmlformats.org/drawingml/2006/main" xmlns:r="http://schemas.openxmlformats.org/officeDocument/2006/relationships" xmlns:p="http://schemas.openxmlformats.org/presentationml/2006/main">
-  <p:cSld>
-    <p:spTree>
-      <p:nvGrpSpPr>
-        <p:cNvPr id="1" name=""/>
-        <p:cNvGrpSpPr/>
-        <p:nvPr/>
-      </p:nvGrpSpPr>
-      <p:grpSpPr>
-        <a:xfrm>
-          <a:off x="0" y="0"/>
-          <a:ext cx="0" cy="0"/>
-          <a:chOff x="0" y="0"/>
-          <a:chExt cx="0" cy="0"/>
-        </a:xfrm>
-      </p:grpSpPr>
-      <p:sp>
-        <p:nvSpPr>
-          <p:cNvPr id="2" name="제목 1"/>
-          <p:cNvSpPr>
-            <a:spLocks noGrp="1"/>
-          </p:cNvSpPr>
-          <p:nvPr>
-            <p:ph type="title"/>
-          </p:nvPr>
-        </p:nvSpPr>
-        <p:spPr/>
-        <p:txBody>
-          <a:bodyPr/>
-          <a:lstStyle/>
-          <a:p>
-            <a:r>
-              <a:rPr lang="ko-KR" altLang="en-US" dirty="0" smtClean="0"/>
-              <a:t>팀 구성</a:t>
-            </a:r>
-            <a:endParaRPr lang="ko-KR" altLang="en-US" dirty="0"/>
-          </a:p>
-        </p:txBody>
-      </p:sp>
-      <p:sp>
-        <p:nvSpPr>
-          <p:cNvPr id="3" name="내용 개체 틀 2"/>
-          <p:cNvSpPr>
-            <a:spLocks noGrp="1"/>
-          </p:cNvSpPr>
-          <p:nvPr>
-            <p:ph idx="1"/>
-          </p:nvPr>
-        </p:nvSpPr>
-        <p:spPr/>
-        <p:txBody>
-          <a:bodyPr/>
-          <a:lstStyle/>
-          <a:p>
-            <a:r>
-              <a:rPr lang="en-US" altLang="ko-KR" dirty="0" smtClean="0"/>
-              <a:t>2</a:t>
-            </a:r>
-            <a:r>
-              <a:rPr lang="ko-KR" altLang="en-US" dirty="0" smtClean="0"/>
-              <a:t>인 이상</a:t>
-            </a:r>
-            <a:endParaRPr lang="ko-KR" altLang="en-US" dirty="0"/>
-          </a:p>
-        </p:txBody>
-      </p:sp>
-      <p:sp>
-        <p:nvSpPr>
-          <p:cNvPr id="4" name="바닥글 개체 틀 3"/>
-          <p:cNvSpPr>
-            <a:spLocks noGrp="1"/>
-          </p:cNvSpPr>
-          <p:nvPr>
-            <p:ph type="ftr" sz="quarter" idx="11"/>
-          </p:nvPr>
-        </p:nvSpPr>
-        <p:spPr/>
-        <p:txBody>
-          <a:bodyPr/>
-          <a:lstStyle/>
-          <a:p>
-            <a:pPr>
-              <a:defRPr/>
-            </a:pPr>
-            <a:r>
-              <a:rPr lang="ko-KR" altLang="en-US" smtClean="0"/>
-              <a:t> 캡스톤 디자인</a:t>
-            </a:r>
-            <a:endParaRPr lang="en-US" altLang="ko-KR" dirty="0"/>
-          </a:p>
-        </p:txBody>
-      </p:sp>
-      <p:sp>
-        <p:nvSpPr>
-          <p:cNvPr id="5" name="슬라이드 번호 개체 틀 4"/>
-          <p:cNvSpPr>
-            <a:spLocks noGrp="1"/>
-          </p:cNvSpPr>
-          <p:nvPr>
-            <p:ph type="sldNum" sz="quarter" idx="12"/>
-          </p:nvPr>
-        </p:nvSpPr>
-        <p:spPr/>
-        <p:txBody>
-          <a:bodyPr/>
-          <a:lstStyle/>
-          <a:p>
-            <a:pPr>
-              <a:defRPr/>
-            </a:pPr>
-            <a:fld id="{74FB7142-74FB-426E-B185-2DFDDD84B7D7}" type="slidenum">
-              <a:rPr lang="en-US" altLang="ko-KR" smtClean="0"/>
-              <a:pPr>
-                <a:defRPr/>
-              </a:pPr>
-              <a:t>22</a:t>
-            </a:fld>
-            <a:endParaRPr lang="en-US" altLang="ko-KR"/>
-          </a:p>
-        </p:txBody>
-      </p:sp>
-    </p:spTree>
-    <p:extLst>
-      <p:ext uri="{BB962C8B-B14F-4D97-AF65-F5344CB8AC3E}">
-        <p14:creationId xmlns:p14="http://schemas.microsoft.com/office/powerpoint/2010/main" val="708750873"/>
-      </p:ext>
-    </p:extLst>
-  </p:cSld>
-  <p:clrMapOvr>
-    <a:masterClrMapping/>
-  </p:clrMapOvr>
-</p:sld>
-</file>
-
-<file path=ppt/slides/slide23.xml><?xml version="1.0" encoding="utf-8"?>
-<p:sld xmlns:a="http://schemas.openxmlformats.org/drawingml/2006/main" xmlns:r="http://schemas.openxmlformats.org/officeDocument/2006/relationships" xmlns:p="http://schemas.openxmlformats.org/presentationml/2006/main">
-  <p:cSld>
-    <p:spTree>
-      <p:nvGrpSpPr>
-        <p:cNvPr id="1" name=""/>
-        <p:cNvGrpSpPr/>
-        <p:nvPr/>
-      </p:nvGrpSpPr>
-      <p:grpSpPr>
-        <a:xfrm>
-          <a:off x="0" y="0"/>
-          <a:ext cx="0" cy="0"/>
-          <a:chOff x="0" y="0"/>
-          <a:chExt cx="0" cy="0"/>
-        </a:xfrm>
-      </p:grpSpPr>
-      <p:sp>
-        <p:nvSpPr>
-          <p:cNvPr id="2" name="제목 1"/>
-          <p:cNvSpPr>
-            <a:spLocks noGrp="1"/>
-          </p:cNvSpPr>
-          <p:nvPr>
-            <p:ph type="title"/>
-          </p:nvPr>
-        </p:nvSpPr>
-        <p:spPr/>
-        <p:txBody>
-          <a:bodyPr/>
-          <a:lstStyle/>
-          <a:p>
-            <a:r>
-              <a:rPr lang="ko-KR" altLang="en-US" dirty="0"/>
-              <a:t>주제 선정</a:t>
-            </a:r>
-          </a:p>
-        </p:txBody>
-      </p:sp>
-      <p:sp>
-        <p:nvSpPr>
-          <p:cNvPr id="3" name="내용 개체 틀 2"/>
-          <p:cNvSpPr>
-            <a:spLocks noGrp="1"/>
-          </p:cNvSpPr>
-          <p:nvPr>
-            <p:ph idx="1"/>
-          </p:nvPr>
-        </p:nvSpPr>
-        <p:spPr/>
-        <p:txBody>
-          <a:bodyPr/>
-          <a:lstStyle/>
-          <a:p>
-            <a:pPr>
-              <a:buFont typeface="Arial" panose="020B0604020202020204" pitchFamily="34" charset="0"/>
-              <a:buChar char="•"/>
-            </a:pPr>
-            <a:r>
-              <a:rPr lang="ko-KR" altLang="en-US" dirty="0"/>
-              <a:t>최신 트렌드 조사</a:t>
-            </a:r>
-            <a:endParaRPr lang="en-US" altLang="ko-KR" dirty="0"/>
-          </a:p>
-          <a:p>
-            <a:pPr>
-              <a:buFont typeface="Arial" panose="020B0604020202020204" pitchFamily="34" charset="0"/>
-              <a:buChar char="•"/>
-            </a:pPr>
-            <a:r>
-              <a:rPr lang="ko-KR" altLang="en-US" dirty="0" err="1"/>
-              <a:t>기존것</a:t>
-            </a:r>
-            <a:r>
-              <a:rPr lang="ko-KR" altLang="en-US" dirty="0"/>
-              <a:t> </a:t>
-            </a:r>
-            <a:r>
-              <a:rPr lang="en-US" altLang="ko-KR" dirty="0"/>
-              <a:t>+ </a:t>
-            </a:r>
-            <a:r>
-              <a:rPr lang="ko-KR" altLang="en-US" dirty="0"/>
-              <a:t>차별화된 서비스</a:t>
-            </a:r>
-            <a:r>
-              <a:rPr lang="en-US" altLang="ko-KR" dirty="0"/>
-              <a:t>, </a:t>
-            </a:r>
-            <a:r>
-              <a:rPr lang="ko-KR" altLang="en-US" dirty="0"/>
-              <a:t>기능</a:t>
-            </a:r>
-            <a:endParaRPr lang="en-US" altLang="ko-KR" dirty="0"/>
-          </a:p>
-          <a:p>
-            <a:pPr>
-              <a:buFont typeface="Arial" panose="020B0604020202020204" pitchFamily="34" charset="0"/>
-              <a:buChar char="•"/>
-            </a:pPr>
-            <a:r>
-              <a:rPr lang="ko-KR" altLang="en-US" dirty="0" smtClean="0"/>
-              <a:t>필요한 기술</a:t>
-            </a:r>
-            <a:endParaRPr lang="en-US" altLang="ko-KR" dirty="0" smtClean="0"/>
-          </a:p>
-          <a:p>
-            <a:pPr>
-              <a:buFont typeface="Arial" panose="020B0604020202020204" pitchFamily="34" charset="0"/>
-              <a:buChar char="•"/>
-            </a:pPr>
-            <a:r>
-              <a:rPr lang="ko-KR" altLang="en-US" dirty="0" smtClean="0"/>
-              <a:t>주제 선정 완료</a:t>
-            </a:r>
-            <a:endParaRPr lang="en-US" altLang="ko-KR" dirty="0"/>
-          </a:p>
-          <a:p>
-            <a:pPr marL="904875" indent="-457200">
-              <a:buFont typeface="Arial" panose="020B0604020202020204" pitchFamily="34" charset="0"/>
-              <a:buChar char="•"/>
-            </a:pPr>
-            <a:r>
-              <a:rPr lang="ko-KR" altLang="en-US" dirty="0" smtClean="0"/>
-              <a:t>기존의 </a:t>
-            </a:r>
-            <a:r>
-              <a:rPr lang="ko-KR" altLang="en-US" dirty="0"/>
-              <a:t>서비스 분석 </a:t>
-            </a:r>
-            <a:r>
-              <a:rPr lang="en-US" altLang="ko-KR" dirty="0"/>
-              <a:t>: </a:t>
-            </a:r>
-            <a:r>
-              <a:rPr lang="ko-KR" altLang="en-US" dirty="0"/>
-              <a:t>장</a:t>
-            </a:r>
-            <a:r>
-              <a:rPr lang="en-US" altLang="ko-KR" dirty="0"/>
-              <a:t>.</a:t>
-            </a:r>
-            <a:r>
-              <a:rPr lang="ko-KR" altLang="en-US" dirty="0"/>
-              <a:t>단점 </a:t>
-            </a:r>
-            <a:r>
-              <a:rPr lang="en-US" altLang="ko-KR" dirty="0"/>
-              <a:t>-&gt; </a:t>
-            </a:r>
-            <a:r>
-              <a:rPr lang="ko-KR" altLang="en-US" dirty="0"/>
-              <a:t>요구사항도출</a:t>
-            </a:r>
-            <a:endParaRPr lang="en-US" altLang="ko-KR" dirty="0"/>
-          </a:p>
-          <a:p>
-            <a:pPr marL="904875" indent="-457200">
-              <a:buFont typeface="Arial" panose="020B0604020202020204" pitchFamily="34" charset="0"/>
-              <a:buChar char="•"/>
-            </a:pPr>
-            <a:r>
-              <a:rPr lang="ko-KR" altLang="en-US" dirty="0" smtClean="0"/>
-              <a:t>기존 </a:t>
-            </a:r>
-            <a:r>
-              <a:rPr lang="ko-KR" altLang="en-US" dirty="0"/>
-              <a:t>서비스 대비 차별화 포인트들 도출</a:t>
-            </a:r>
-            <a:endParaRPr lang="en-US" altLang="ko-KR" dirty="0"/>
-          </a:p>
-          <a:p>
-            <a:pPr>
-              <a:buFont typeface="Arial" panose="020B0604020202020204" pitchFamily="34" charset="0"/>
-              <a:buChar char="•"/>
-            </a:pPr>
-            <a:endParaRPr lang="ko-KR" altLang="en-US" dirty="0"/>
-          </a:p>
-          <a:p>
-            <a:endParaRPr lang="ko-KR" altLang="en-US" dirty="0"/>
-          </a:p>
-        </p:txBody>
-      </p:sp>
-      <p:sp>
-        <p:nvSpPr>
-          <p:cNvPr id="4" name="바닥글 개체 틀 3"/>
-          <p:cNvSpPr>
-            <a:spLocks noGrp="1"/>
-          </p:cNvSpPr>
-          <p:nvPr>
-            <p:ph type="ftr" sz="quarter" idx="11"/>
-          </p:nvPr>
-        </p:nvSpPr>
-        <p:spPr/>
-        <p:txBody>
-          <a:bodyPr/>
-          <a:lstStyle/>
-          <a:p>
-            <a:pPr>
-              <a:defRPr/>
-            </a:pPr>
-            <a:r>
-              <a:rPr lang="ko-KR" altLang="en-US" smtClean="0"/>
-              <a:t> 캡스톤 디자인</a:t>
-            </a:r>
-            <a:endParaRPr lang="en-US" altLang="ko-KR" dirty="0"/>
-          </a:p>
-        </p:txBody>
-      </p:sp>
-      <p:sp>
-        <p:nvSpPr>
-          <p:cNvPr id="5" name="슬라이드 번호 개체 틀 4"/>
-          <p:cNvSpPr>
-            <a:spLocks noGrp="1"/>
-          </p:cNvSpPr>
-          <p:nvPr>
-            <p:ph type="sldNum" sz="quarter" idx="12"/>
-          </p:nvPr>
-        </p:nvSpPr>
-        <p:spPr/>
-        <p:txBody>
-          <a:bodyPr/>
-          <a:lstStyle/>
-          <a:p>
-            <a:pPr>
-              <a:defRPr/>
-            </a:pPr>
-            <a:fld id="{74FB7142-74FB-426E-B185-2DFDDD84B7D7}" type="slidenum">
-              <a:rPr lang="en-US" altLang="ko-KR" smtClean="0"/>
-              <a:pPr>
-                <a:defRPr/>
-              </a:pPr>
-              <a:t>23</a:t>
-            </a:fld>
-            <a:endParaRPr lang="en-US" altLang="ko-KR"/>
-          </a:p>
-        </p:txBody>
-      </p:sp>
-    </p:spTree>
-    <p:extLst>
-      <p:ext uri="{BB962C8B-B14F-4D97-AF65-F5344CB8AC3E}">
-        <p14:creationId xmlns:p14="http://schemas.microsoft.com/office/powerpoint/2010/main" val="836202040"/>
-      </p:ext>
-    </p:extLst>
-  </p:cSld>
-  <p:clrMapOvr>
-    <a:masterClrMapping/>
-  </p:clrMapOvr>
-</p:sld>
-</file>
-
-<file path=ppt/slides/slide24.xml><?xml version="1.0" encoding="utf-8"?>
-<p:sld xmlns:a="http://schemas.openxmlformats.org/drawingml/2006/main" xmlns:r="http://schemas.openxmlformats.org/officeDocument/2006/relationships" xmlns:p="http://schemas.openxmlformats.org/presentationml/2006/main">
-  <p:cSld>
-    <p:spTree>
-      <p:nvGrpSpPr>
-        <p:cNvPr id="1" name=""/>
-        <p:cNvGrpSpPr/>
-        <p:nvPr/>
-      </p:nvGrpSpPr>
-      <p:grpSpPr>
-        <a:xfrm>
-          <a:off x="0" y="0"/>
-          <a:ext cx="0" cy="0"/>
-          <a:chOff x="0" y="0"/>
-          <a:chExt cx="0" cy="0"/>
-        </a:xfrm>
-      </p:grpSpPr>
-      <p:sp>
-        <p:nvSpPr>
-          <p:cNvPr id="2" name="제목 1"/>
-          <p:cNvSpPr>
-            <a:spLocks noGrp="1"/>
-          </p:cNvSpPr>
-          <p:nvPr>
-            <p:ph type="title"/>
-          </p:nvPr>
-        </p:nvSpPr>
-        <p:spPr/>
-        <p:txBody>
-          <a:bodyPr/>
-          <a:lstStyle/>
-          <a:p>
-            <a:r>
-              <a:rPr lang="en-US" altLang="ko-KR" dirty="0" smtClean="0"/>
-              <a:t>10.1 </a:t>
-            </a:r>
-            <a:r>
-              <a:rPr lang="ko-KR" altLang="en-US" dirty="0" smtClean="0"/>
-              <a:t>소프트웨어 개발 프로세스</a:t>
-            </a:r>
-            <a:endParaRPr lang="ko-KR" altLang="en-US" dirty="0"/>
-          </a:p>
-        </p:txBody>
-      </p:sp>
-      <p:sp>
-        <p:nvSpPr>
-          <p:cNvPr id="3" name="내용 개체 틀 2"/>
-          <p:cNvSpPr>
-            <a:spLocks noGrp="1"/>
-          </p:cNvSpPr>
-          <p:nvPr>
-            <p:ph idx="1"/>
-          </p:nvPr>
-        </p:nvSpPr>
-        <p:spPr/>
-        <p:txBody>
-          <a:bodyPr/>
-          <a:lstStyle/>
-          <a:p>
-            <a:r>
-              <a:rPr lang="ko-KR" altLang="en-US" dirty="0" smtClean="0"/>
-              <a:t>소프트웨어 개발에서의 프로세스</a:t>
-            </a:r>
-            <a:endParaRPr lang="en-US" altLang="ko-KR" dirty="0" smtClean="0"/>
-          </a:p>
-          <a:p>
-            <a:pPr lvl="1"/>
-            <a:r>
-              <a:rPr lang="ko-KR" altLang="en-US" dirty="0" smtClean="0"/>
-              <a:t>작업</a:t>
-            </a:r>
-            <a:r>
-              <a:rPr lang="en-US" altLang="ko-KR" dirty="0" smtClean="0"/>
-              <a:t>(task)</a:t>
-            </a:r>
-            <a:r>
-              <a:rPr lang="ko-KR" altLang="en-US" dirty="0" smtClean="0"/>
-              <a:t>순서의 집합 </a:t>
-            </a:r>
-            <a:r>
-              <a:rPr lang="en-US" altLang="ko-KR" dirty="0" smtClean="0"/>
-              <a:t>+ </a:t>
-            </a:r>
-            <a:r>
-              <a:rPr lang="ko-KR" altLang="en-US" dirty="0" smtClean="0"/>
-              <a:t>제약조건</a:t>
-            </a:r>
-            <a:r>
-              <a:rPr lang="en-US" altLang="ko-KR" dirty="0" smtClean="0"/>
-              <a:t>(</a:t>
-            </a:r>
-            <a:r>
-              <a:rPr lang="ko-KR" altLang="en-US" dirty="0" smtClean="0"/>
-              <a:t>일정</a:t>
-            </a:r>
-            <a:r>
-              <a:rPr lang="en-US" altLang="ko-KR" dirty="0" smtClean="0"/>
-              <a:t>, </a:t>
-            </a:r>
-            <a:r>
-              <a:rPr lang="ko-KR" altLang="en-US" dirty="0" smtClean="0"/>
-              <a:t>예산</a:t>
-            </a:r>
-            <a:r>
-              <a:rPr lang="en-US" altLang="ko-KR" dirty="0" smtClean="0"/>
-              <a:t>, </a:t>
-            </a:r>
-            <a:r>
-              <a:rPr lang="ko-KR" altLang="en-US" dirty="0" smtClean="0"/>
-              <a:t>자원</a:t>
-            </a:r>
-            <a:r>
-              <a:rPr lang="en-US" altLang="ko-KR" dirty="0" smtClean="0"/>
-              <a:t>)</a:t>
-            </a:r>
-            <a:r>
-              <a:rPr lang="ko-KR" altLang="en-US" dirty="0" smtClean="0"/>
-              <a:t>을</a:t>
-            </a:r>
-            <a:r>
-              <a:rPr lang="en-US" altLang="ko-KR" dirty="0" smtClean="0"/>
-              <a:t> </a:t>
-            </a:r>
-            <a:r>
-              <a:rPr lang="ko-KR" altLang="en-US" dirty="0" smtClean="0"/>
-              <a:t>포함하는 일련의 활동</a:t>
-            </a:r>
-            <a:r>
-              <a:rPr lang="en-US" altLang="ko-KR" dirty="0" smtClean="0"/>
-              <a:t>(activity)</a:t>
-            </a:r>
-          </a:p>
-          <a:p>
-            <a:pPr lvl="2"/>
-            <a:r>
-              <a:rPr lang="en-US" altLang="ko-KR" dirty="0" smtClean="0"/>
-              <a:t>Task: SW</a:t>
-            </a:r>
-            <a:r>
-              <a:rPr lang="ko-KR" altLang="en-US" dirty="0" smtClean="0"/>
-              <a:t>를 개발할 때 일을 수행하는 작은 단위</a:t>
-            </a:r>
-            <a:endParaRPr lang="en-US" altLang="ko-KR" dirty="0" smtClean="0"/>
-          </a:p>
-          <a:p>
-            <a:r>
-              <a:rPr lang="en-US" altLang="ko-KR" dirty="0" smtClean="0"/>
-              <a:t>(</a:t>
-            </a:r>
-            <a:r>
-              <a:rPr lang="ko-KR" altLang="en-US" dirty="0" smtClean="0"/>
-              <a:t>좁은 의미</a:t>
-            </a:r>
-            <a:r>
-              <a:rPr lang="en-US" altLang="ko-KR" dirty="0" smtClean="0"/>
-              <a:t>) </a:t>
-            </a:r>
-            <a:r>
-              <a:rPr lang="ko-KR" altLang="en-US" dirty="0" smtClean="0"/>
-              <a:t>소프트웨어 개발 프로세스</a:t>
-            </a:r>
-            <a:endParaRPr lang="en-US" altLang="ko-KR" dirty="0" smtClean="0"/>
-          </a:p>
-          <a:p>
-            <a:pPr lvl="1"/>
-            <a:r>
-              <a:rPr lang="en-US" altLang="ko-KR" dirty="0"/>
-              <a:t> </a:t>
-            </a:r>
-            <a:r>
-              <a:rPr lang="en-US" altLang="ko-KR" dirty="0" smtClean="0"/>
-              <a:t>SW </a:t>
-            </a:r>
-            <a:r>
-              <a:rPr lang="ko-KR" altLang="en-US" dirty="0" smtClean="0"/>
-              <a:t>제품을 개발할 때 필요한 절차</a:t>
-            </a:r>
-            <a:r>
-              <a:rPr lang="en-US" altLang="ko-KR" dirty="0" smtClean="0"/>
-              <a:t>, </a:t>
-            </a:r>
-            <a:r>
-              <a:rPr lang="ko-KR" altLang="en-US" dirty="0" smtClean="0"/>
-              <a:t>과정</a:t>
-            </a:r>
-            <a:r>
-              <a:rPr lang="en-US" altLang="ko-KR" dirty="0" smtClean="0"/>
-              <a:t>, </a:t>
-            </a:r>
-            <a:r>
-              <a:rPr lang="ko-KR" altLang="en-US" dirty="0" smtClean="0"/>
-              <a:t>구조</a:t>
-            </a:r>
-            <a:endParaRPr lang="en-US" altLang="ko-KR" dirty="0" smtClean="0"/>
-          </a:p>
-          <a:p>
-            <a:pPr lvl="1"/>
-            <a:r>
-              <a:rPr lang="ko-KR" altLang="en-US" dirty="0" smtClean="0"/>
-              <a:t>사용자의 요구사항을  </a:t>
-            </a:r>
-            <a:r>
-              <a:rPr lang="en-US" altLang="ko-KR" dirty="0" smtClean="0"/>
-              <a:t>SW</a:t>
-            </a:r>
-            <a:r>
-              <a:rPr lang="ko-KR" altLang="en-US" dirty="0" smtClean="0"/>
-              <a:t>시스템으로 구현하기 위한 일련의 활동</a:t>
-            </a:r>
-            <a:endParaRPr lang="en-US" altLang="ko-KR" dirty="0" smtClean="0"/>
-          </a:p>
-          <a:p>
-            <a:r>
-              <a:rPr lang="en-US" altLang="ko-KR" dirty="0" smtClean="0"/>
-              <a:t>(</a:t>
-            </a:r>
-            <a:r>
-              <a:rPr lang="ko-KR" altLang="en-US" dirty="0" smtClean="0"/>
-              <a:t>넓은 의미</a:t>
-            </a:r>
-            <a:r>
-              <a:rPr lang="en-US" altLang="ko-KR" dirty="0" smtClean="0"/>
-              <a:t>) </a:t>
-            </a:r>
-            <a:r>
-              <a:rPr lang="ko-KR" altLang="en-US" dirty="0" smtClean="0"/>
-              <a:t>소프트웨어 개발 프로세스</a:t>
-            </a:r>
-            <a:endParaRPr lang="en-US" altLang="ko-KR" dirty="0" smtClean="0"/>
-          </a:p>
-          <a:p>
-            <a:pPr lvl="1"/>
-            <a:r>
-              <a:rPr lang="ko-KR" altLang="en-US" dirty="0" smtClean="0"/>
-              <a:t>절차</a:t>
-            </a:r>
-            <a:r>
-              <a:rPr lang="en-US" altLang="ko-KR" dirty="0" smtClean="0"/>
-              <a:t>, </a:t>
-            </a:r>
-            <a:r>
-              <a:rPr lang="ko-KR" altLang="en-US" dirty="0" smtClean="0"/>
-              <a:t>구조</a:t>
-            </a:r>
-            <a:r>
-              <a:rPr lang="en-US" altLang="ko-KR" dirty="0" smtClean="0"/>
-              <a:t>, </a:t>
-            </a:r>
-            <a:r>
-              <a:rPr lang="ko-KR" altLang="en-US" dirty="0" smtClean="0"/>
-              <a:t>방법</a:t>
-            </a:r>
-            <a:r>
-              <a:rPr lang="en-US" altLang="ko-KR" dirty="0" smtClean="0"/>
-              <a:t>, </a:t>
-            </a:r>
-            <a:r>
-              <a:rPr lang="ko-KR" altLang="en-US" dirty="0" smtClean="0"/>
-              <a:t>도구</a:t>
-            </a:r>
-            <a:r>
-              <a:rPr lang="en-US" altLang="ko-KR" dirty="0" smtClean="0"/>
-              <a:t>, </a:t>
-            </a:r>
-            <a:r>
-              <a:rPr lang="ko-KR" altLang="en-US" dirty="0" smtClean="0"/>
-              <a:t>참여자까지 모두 포함</a:t>
-            </a:r>
-            <a:endParaRPr lang="en-US" altLang="ko-KR" dirty="0" smtClean="0"/>
-          </a:p>
-          <a:p>
-            <a:pPr lvl="1"/>
-            <a:r>
-              <a:rPr lang="en-US" altLang="ko-KR" dirty="0" smtClean="0"/>
-              <a:t>SW</a:t>
-            </a:r>
-            <a:r>
-              <a:rPr lang="ko-KR" altLang="en-US" dirty="0" smtClean="0"/>
-              <a:t>개발 목적을 이루는데 필요한 통합적 수단</a:t>
-            </a:r>
-            <a:endParaRPr lang="en-US" altLang="ko-KR" dirty="0" smtClean="0"/>
-          </a:p>
-          <a:p>
-            <a:r>
-              <a:rPr lang="ko-KR" altLang="en-US" dirty="0" smtClean="0"/>
-              <a:t>프로세스 관리의 목적</a:t>
-            </a:r>
-            <a:endParaRPr lang="en-US" altLang="ko-KR" dirty="0" smtClean="0"/>
-          </a:p>
-          <a:p>
-            <a:pPr lvl="1"/>
-            <a:r>
-              <a:rPr lang="ko-KR" altLang="en-US" dirty="0" smtClean="0"/>
-              <a:t>효율적인 업무처리</a:t>
-            </a:r>
-            <a:endParaRPr lang="en-US" altLang="ko-KR" dirty="0" smtClean="0"/>
-          </a:p>
-          <a:p>
-            <a:pPr lvl="1"/>
-            <a:r>
-              <a:rPr lang="ko-KR" altLang="en-US" dirty="0" smtClean="0"/>
-              <a:t>이전에 얻은 노하우를 전달 </a:t>
-            </a:r>
-            <a:r>
-              <a:rPr lang="en-US" altLang="ko-KR" dirty="0" smtClean="0"/>
-              <a:t>-&gt; </a:t>
-            </a:r>
-            <a:r>
-              <a:rPr lang="ko-KR" altLang="en-US" dirty="0" smtClean="0"/>
-              <a:t>시행착오 감소</a:t>
-            </a:r>
-            <a:r>
-              <a:rPr lang="en-US" altLang="ko-KR" dirty="0" smtClean="0"/>
-              <a:t>-&gt; </a:t>
-            </a:r>
-            <a:r>
-              <a:rPr lang="ko-KR" altLang="en-US" dirty="0" smtClean="0"/>
-              <a:t>빠르게 적응</a:t>
-            </a:r>
-            <a:endParaRPr lang="en-US" altLang="ko-KR" dirty="0" smtClean="0"/>
-          </a:p>
-        </p:txBody>
-      </p:sp>
-      <p:sp>
-        <p:nvSpPr>
-          <p:cNvPr id="4" name="슬라이드 번호 개체 틀 3"/>
-          <p:cNvSpPr>
-            <a:spLocks noGrp="1"/>
-          </p:cNvSpPr>
-          <p:nvPr>
-            <p:ph type="sldNum" sz="quarter" idx="12"/>
-          </p:nvPr>
-        </p:nvSpPr>
-        <p:spPr/>
-        <p:txBody>
-          <a:bodyPr/>
-          <a:lstStyle/>
-          <a:p>
-            <a:pPr>
-              <a:defRPr/>
-            </a:pPr>
-            <a:fld id="{74FB7142-74FB-426E-B185-2DFDDD84B7D7}" type="slidenum">
-              <a:rPr lang="en-US" altLang="ko-KR" smtClean="0"/>
-              <a:pPr>
-                <a:defRPr/>
-              </a:pPr>
-              <a:t>24</a:t>
-            </a:fld>
-            <a:endParaRPr lang="en-US" altLang="ko-KR"/>
-          </a:p>
-        </p:txBody>
-      </p:sp>
-      <p:sp>
-        <p:nvSpPr>
-          <p:cNvPr id="5" name="바닥글 개체 틀 4"/>
-          <p:cNvSpPr>
-            <a:spLocks noGrp="1"/>
-          </p:cNvSpPr>
-          <p:nvPr>
-            <p:ph type="ftr" sz="quarter" idx="11"/>
-          </p:nvPr>
-        </p:nvSpPr>
-        <p:spPr/>
-        <p:txBody>
-          <a:bodyPr/>
-          <a:lstStyle/>
-          <a:p>
-            <a:pPr>
-              <a:defRPr/>
-            </a:pPr>
-            <a:r>
-              <a:rPr lang="ko-KR" altLang="en-US" dirty="0" err="1" smtClean="0"/>
-              <a:t>캡스톤</a:t>
-            </a:r>
-            <a:r>
-              <a:rPr lang="ko-KR" altLang="en-US" dirty="0" smtClean="0"/>
-              <a:t> 디자인</a:t>
-            </a:r>
-            <a:endParaRPr lang="en-US" altLang="ko-KR" dirty="0"/>
-          </a:p>
-        </p:txBody>
-      </p:sp>
-    </p:spTree>
-    <p:extLst>
-      <p:ext uri="{BB962C8B-B14F-4D97-AF65-F5344CB8AC3E}">
-        <p14:creationId xmlns:p14="http://schemas.microsoft.com/office/powerpoint/2010/main" val="336785222"/>
-      </p:ext>
-    </p:extLst>
-  </p:cSld>
-  <p:clrMapOvr>
-    <a:masterClrMapping/>
-  </p:clrMapOvr>
-</p:sld>
-</file>
-
-<file path=ppt/slides/slide25.xml><?xml version="1.0" encoding="utf-8"?>
-<p:sld xmlns:a="http://schemas.openxmlformats.org/drawingml/2006/main" xmlns:r="http://schemas.openxmlformats.org/officeDocument/2006/relationships" xmlns:p="http://schemas.openxmlformats.org/presentationml/2006/main">
-  <p:cSld>
-    <p:spTree>
-      <p:nvGrpSpPr>
-        <p:cNvPr id="1" name=""/>
-        <p:cNvGrpSpPr/>
-        <p:nvPr/>
-      </p:nvGrpSpPr>
-      <p:grpSpPr>
-        <a:xfrm>
-          <a:off x="0" y="0"/>
-          <a:ext cx="0" cy="0"/>
-          <a:chOff x="0" y="0"/>
-          <a:chExt cx="0" cy="0"/>
-        </a:xfrm>
-      </p:grpSpPr>
-      <p:sp>
-        <p:nvSpPr>
-          <p:cNvPr id="2" name="제목 1"/>
-          <p:cNvSpPr>
-            <a:spLocks noGrp="1"/>
-          </p:cNvSpPr>
-          <p:nvPr>
-            <p:ph type="title"/>
-          </p:nvPr>
-        </p:nvSpPr>
-        <p:spPr/>
-        <p:txBody>
-          <a:bodyPr/>
-          <a:lstStyle/>
-          <a:p>
-            <a:r>
-              <a:rPr lang="en-US" altLang="ko-KR" dirty="0" smtClean="0"/>
-              <a:t>10.2 </a:t>
-            </a:r>
-            <a:r>
-              <a:rPr lang="ko-KR" altLang="en-US" dirty="0" smtClean="0"/>
-              <a:t>소프트웨어 프로세스 모델</a:t>
-            </a:r>
-            <a:endParaRPr lang="ko-KR" altLang="en-US" dirty="0"/>
-          </a:p>
-        </p:txBody>
-      </p:sp>
-      <p:sp>
-        <p:nvSpPr>
-          <p:cNvPr id="3" name="내용 개체 틀 2"/>
-          <p:cNvSpPr>
-            <a:spLocks noGrp="1"/>
-          </p:cNvSpPr>
-          <p:nvPr>
-            <p:ph idx="1"/>
-          </p:nvPr>
-        </p:nvSpPr>
-        <p:spPr/>
-        <p:txBody>
-          <a:bodyPr/>
-          <a:lstStyle/>
-          <a:p>
-            <a:r>
-              <a:rPr lang="ko-KR" altLang="en-US" dirty="0" smtClean="0"/>
-              <a:t>소프트웨어 프로세스 모델의 정의</a:t>
-            </a:r>
-            <a:endParaRPr lang="en-US" altLang="ko-KR" dirty="0" smtClean="0"/>
-          </a:p>
-          <a:p>
-            <a:pPr lvl="1"/>
-            <a:r>
-              <a:rPr lang="ko-KR" altLang="en-US" dirty="0" smtClean="0"/>
-              <a:t>소프트웨어 개발 생명주기</a:t>
-            </a:r>
-            <a:r>
-              <a:rPr lang="en-US" altLang="ko-KR" dirty="0" smtClean="0"/>
-              <a:t>(SDLC: Software Development Lift Cycle)</a:t>
-            </a:r>
-          </a:p>
-          <a:p>
-            <a:pPr lvl="1"/>
-            <a:r>
-              <a:rPr lang="ko-KR" altLang="en-US" dirty="0" smtClean="0"/>
-              <a:t>어떻게 개발할 것인가에 대한 전체적인 흐름을 체계화한 개념</a:t>
-            </a:r>
-            <a:endParaRPr lang="en-US" altLang="ko-KR" dirty="0" smtClean="0"/>
-          </a:p>
-          <a:p>
-            <a:pPr lvl="1"/>
-            <a:r>
-              <a:rPr lang="ko-KR" altLang="en-US" dirty="0" smtClean="0"/>
-              <a:t>개발 계획 수립부터 최종 폐기까지 전 과정</a:t>
-            </a:r>
-            <a:endParaRPr lang="en-US" altLang="ko-KR" dirty="0" smtClean="0"/>
-          </a:p>
-          <a:p>
-            <a:pPr lvl="1"/>
-            <a:r>
-              <a:rPr lang="ko-KR" altLang="en-US" dirty="0" smtClean="0"/>
-              <a:t>순차적인 단계로 연결</a:t>
-            </a:r>
-            <a:endParaRPr lang="en-US" altLang="ko-KR" dirty="0" smtClean="0"/>
-          </a:p>
-          <a:p>
-            <a:r>
-              <a:rPr lang="ko-KR" altLang="en-US" dirty="0" smtClean="0"/>
-              <a:t>소프트웨어 프로세스 모델의 목적</a:t>
-            </a:r>
-            <a:endParaRPr lang="en-US" altLang="ko-KR" dirty="0" smtClean="0"/>
-          </a:p>
-          <a:p>
-            <a:pPr lvl="1"/>
-            <a:r>
-              <a:rPr lang="ko-KR" altLang="en-US" dirty="0" smtClean="0"/>
-              <a:t>소프트웨어 전 과정을 하나의 프로세스로 정의</a:t>
-            </a:r>
-            <a:endParaRPr lang="en-US" altLang="ko-KR" dirty="0" smtClean="0"/>
-          </a:p>
-          <a:p>
-            <a:pPr lvl="1"/>
-            <a:r>
-              <a:rPr lang="ko-KR" altLang="en-US" dirty="0" smtClean="0"/>
-              <a:t>예산과 자원을 배분하여 관리하는 방법을 구체적으로 정의</a:t>
-            </a:r>
-            <a:endParaRPr lang="en-US" altLang="ko-KR" dirty="0" smtClean="0"/>
-          </a:p>
-          <a:p>
-            <a:pPr lvl="1"/>
-            <a:r>
-              <a:rPr lang="ko-KR" altLang="en-US" dirty="0" smtClean="0"/>
-              <a:t>고 품질의 소프트웨어 제품 생산 목적</a:t>
-            </a:r>
-            <a:endParaRPr lang="en-US" altLang="ko-KR" dirty="0" smtClean="0"/>
-          </a:p>
-          <a:p>
-            <a:r>
-              <a:rPr lang="ko-KR" altLang="en-US" dirty="0" smtClean="0"/>
-              <a:t>소프트웨어 프로세스 모델의 역할</a:t>
-            </a:r>
-            <a:endParaRPr lang="en-US" altLang="ko-KR" dirty="0" smtClean="0"/>
-          </a:p>
-          <a:p>
-            <a:pPr lvl="1"/>
-            <a:r>
-              <a:rPr lang="ko-KR" altLang="en-US" dirty="0" smtClean="0"/>
-              <a:t>전체적인 기본 골격 제공</a:t>
-            </a:r>
-            <a:r>
-              <a:rPr lang="en-US" altLang="ko-KR" dirty="0" smtClean="0"/>
-              <a:t>(</a:t>
-            </a:r>
-            <a:r>
-              <a:rPr lang="ko-KR" altLang="en-US" dirty="0" smtClean="0"/>
-              <a:t>일정</a:t>
-            </a:r>
-            <a:r>
-              <a:rPr lang="en-US" altLang="ko-KR" dirty="0" smtClean="0"/>
-              <a:t>, </a:t>
-            </a:r>
-            <a:r>
-              <a:rPr lang="ko-KR" altLang="en-US" dirty="0" smtClean="0"/>
-              <a:t>개발비용</a:t>
-            </a:r>
-            <a:r>
-              <a:rPr lang="en-US" altLang="ko-KR" dirty="0" smtClean="0"/>
-              <a:t>, </a:t>
-            </a:r>
-            <a:r>
-              <a:rPr lang="ko-KR" altLang="en-US" dirty="0" smtClean="0"/>
-              <a:t>자원 분배</a:t>
-            </a:r>
-            <a:r>
-              <a:rPr lang="en-US" altLang="ko-KR" dirty="0" smtClean="0"/>
-              <a:t>)</a:t>
-            </a:r>
-          </a:p>
-          <a:p>
-            <a:pPr lvl="1"/>
-            <a:r>
-              <a:rPr lang="ko-KR" altLang="en-US" dirty="0" smtClean="0"/>
-              <a:t>참여자 간의 의사소통 채널</a:t>
-            </a:r>
-            <a:endParaRPr lang="en-US" altLang="ko-KR" dirty="0" smtClean="0"/>
-          </a:p>
-          <a:p>
-            <a:pPr lvl="1"/>
-            <a:r>
-              <a:rPr lang="ko-KR" altLang="en-US" dirty="0" smtClean="0"/>
-              <a:t>용어 표준화</a:t>
-            </a:r>
-            <a:endParaRPr lang="en-US" altLang="ko-KR" dirty="0" smtClean="0"/>
-          </a:p>
-          <a:p>
-            <a:pPr lvl="1"/>
-            <a:r>
-              <a:rPr lang="ko-KR" altLang="en-US" dirty="0" smtClean="0"/>
-              <a:t>개발 진행 상황 명확화</a:t>
-            </a:r>
-            <a:endParaRPr lang="en-US" altLang="ko-KR" dirty="0" smtClean="0"/>
-          </a:p>
-          <a:p>
-            <a:pPr lvl="1"/>
-            <a:r>
-              <a:rPr lang="ko-KR" altLang="en-US" dirty="0" smtClean="0"/>
-              <a:t>산출물 검토 </a:t>
-            </a:r>
-            <a:endParaRPr lang="ko-KR" altLang="en-US" dirty="0"/>
-          </a:p>
-        </p:txBody>
-      </p:sp>
-      <p:sp>
-        <p:nvSpPr>
-          <p:cNvPr id="4" name="바닥글 개체 틀 3"/>
-          <p:cNvSpPr>
-            <a:spLocks noGrp="1"/>
-          </p:cNvSpPr>
-          <p:nvPr>
-            <p:ph type="ftr" sz="quarter" idx="11"/>
-          </p:nvPr>
-        </p:nvSpPr>
-        <p:spPr/>
-        <p:txBody>
-          <a:bodyPr/>
-          <a:lstStyle/>
-          <a:p>
-            <a:pPr>
-              <a:defRPr/>
-            </a:pPr>
-            <a:r>
-              <a:rPr lang="ko-KR" altLang="en-US" dirty="0" err="1"/>
-              <a:t>캡</a:t>
-            </a:r>
-            <a:r>
-              <a:rPr lang="ko-KR" altLang="en-US" dirty="0" err="1" smtClean="0"/>
-              <a:t>스톤</a:t>
-            </a:r>
-            <a:r>
-              <a:rPr lang="ko-KR" altLang="en-US" dirty="0" smtClean="0"/>
-              <a:t> 디자인</a:t>
-            </a:r>
-            <a:endParaRPr lang="en-US" altLang="ko-KR" dirty="0"/>
-          </a:p>
-        </p:txBody>
-      </p:sp>
-      <p:sp>
-        <p:nvSpPr>
-          <p:cNvPr id="5" name="슬라이드 번호 개체 틀 4"/>
-          <p:cNvSpPr>
-            <a:spLocks noGrp="1"/>
-          </p:cNvSpPr>
-          <p:nvPr>
-            <p:ph type="sldNum" sz="quarter" idx="12"/>
-          </p:nvPr>
-        </p:nvSpPr>
-        <p:spPr/>
-        <p:txBody>
-          <a:bodyPr/>
-          <a:lstStyle/>
-          <a:p>
-            <a:pPr>
-              <a:defRPr/>
-            </a:pPr>
-            <a:fld id="{74FB7142-74FB-426E-B185-2DFDDD84B7D7}" type="slidenum">
-              <a:rPr lang="en-US" altLang="ko-KR" smtClean="0"/>
-              <a:pPr>
-                <a:defRPr/>
-              </a:pPr>
-              <a:t>25</a:t>
-            </a:fld>
-            <a:endParaRPr lang="en-US" altLang="ko-KR"/>
-          </a:p>
-        </p:txBody>
-      </p:sp>
-    </p:spTree>
-    <p:extLst>
-      <p:ext uri="{BB962C8B-B14F-4D97-AF65-F5344CB8AC3E}">
-        <p14:creationId xmlns:p14="http://schemas.microsoft.com/office/powerpoint/2010/main" val="3991459005"/>
-      </p:ext>
-    </p:extLst>
-  </p:cSld>
-  <p:clrMapOvr>
-    <a:masterClrMapping/>
-  </p:clrMapOvr>
-</p:sld>
-</file>
-
-<file path=ppt/slides/slide26.xml><?xml version="1.0" encoding="utf-8"?>
-<p:sld xmlns:a="http://schemas.openxmlformats.org/drawingml/2006/main" xmlns:r="http://schemas.openxmlformats.org/officeDocument/2006/relationships" xmlns:p="http://schemas.openxmlformats.org/presentationml/2006/main">
-  <p:cSld>
-    <p:spTree>
-      <p:nvGrpSpPr>
-        <p:cNvPr id="1" name=""/>
-        <p:cNvGrpSpPr/>
-        <p:nvPr/>
-      </p:nvGrpSpPr>
-      <p:grpSpPr>
-        <a:xfrm>
-          <a:off x="0" y="0"/>
-          <a:ext cx="0" cy="0"/>
-          <a:chOff x="0" y="0"/>
-          <a:chExt cx="0" cy="0"/>
-        </a:xfrm>
-      </p:grpSpPr>
-      <p:sp>
-        <p:nvSpPr>
-          <p:cNvPr id="2" name="제목 1"/>
-          <p:cNvSpPr>
-            <a:spLocks noGrp="1"/>
-          </p:cNvSpPr>
-          <p:nvPr>
-            <p:ph type="title"/>
-          </p:nvPr>
-        </p:nvSpPr>
-        <p:spPr/>
-        <p:txBody>
-          <a:bodyPr/>
-          <a:lstStyle/>
-          <a:p>
-            <a:r>
-              <a:rPr lang="en-US" altLang="ko-KR" dirty="0" smtClean="0"/>
-              <a:t>10.3 </a:t>
-            </a:r>
-            <a:r>
-              <a:rPr lang="ko-KR" altLang="en-US" dirty="0" smtClean="0"/>
-              <a:t>폭포수 모델</a:t>
-            </a:r>
-            <a:r>
-              <a:rPr lang="en-US" altLang="ko-KR" dirty="0" smtClean="0"/>
-              <a:t>(Waterfall)- </a:t>
-            </a:r>
-            <a:r>
-              <a:rPr lang="ko-KR" altLang="en-US" dirty="0"/>
-              <a:t>선형 순차적 모델</a:t>
-            </a:r>
-          </a:p>
-        </p:txBody>
-      </p:sp>
-      <p:sp>
-        <p:nvSpPr>
-          <p:cNvPr id="4" name="바닥글 개체 틀 3"/>
-          <p:cNvSpPr>
-            <a:spLocks noGrp="1"/>
-          </p:cNvSpPr>
-          <p:nvPr>
-            <p:ph type="ftr" sz="quarter" idx="11"/>
-          </p:nvPr>
-        </p:nvSpPr>
-        <p:spPr/>
-        <p:txBody>
-          <a:bodyPr/>
-          <a:lstStyle/>
-          <a:p>
-            <a:pPr>
-              <a:defRPr/>
-            </a:pPr>
-            <a:r>
-              <a:rPr lang="ko-KR" altLang="en-US" dirty="0" err="1" smtClean="0"/>
-              <a:t>캡스톤</a:t>
-            </a:r>
-            <a:r>
-              <a:rPr lang="ko-KR" altLang="en-US" dirty="0" smtClean="0"/>
-              <a:t> 디자인</a:t>
-            </a:r>
-            <a:endParaRPr lang="en-US" altLang="ko-KR" dirty="0"/>
-          </a:p>
-        </p:txBody>
-      </p:sp>
-      <p:sp>
-        <p:nvSpPr>
-          <p:cNvPr id="5" name="슬라이드 번호 개체 틀 4"/>
-          <p:cNvSpPr>
-            <a:spLocks noGrp="1"/>
-          </p:cNvSpPr>
-          <p:nvPr>
-            <p:ph type="sldNum" sz="quarter" idx="12"/>
-          </p:nvPr>
-        </p:nvSpPr>
-        <p:spPr/>
-        <p:txBody>
-          <a:bodyPr/>
-          <a:lstStyle/>
-          <a:p>
-            <a:pPr>
-              <a:defRPr/>
-            </a:pPr>
-            <a:fld id="{74FB7142-74FB-426E-B185-2DFDDD84B7D7}" type="slidenum">
-              <a:rPr lang="en-US" altLang="ko-KR" smtClean="0"/>
-              <a:pPr>
-                <a:defRPr/>
-              </a:pPr>
-              <a:t>26</a:t>
-            </a:fld>
-            <a:endParaRPr lang="en-US" altLang="ko-KR"/>
-          </a:p>
-        </p:txBody>
-      </p:sp>
-      <p:pic>
-        <p:nvPicPr>
-          <p:cNvPr id="6" name="내용 개체 틀 5"/>
-          <p:cNvPicPr>
-            <a:picLocks noGrp="1" noChangeAspect="1"/>
-          </p:cNvPicPr>
-          <p:nvPr>
-            <p:ph idx="1"/>
-          </p:nvPr>
-        </p:nvPicPr>
-        <p:blipFill>
-          <a:blip r:embed="rId2">
-            <a:extLst>
-              <a:ext uri="{28A0092B-C50C-407E-A947-70E740481C1C}">
-                <a14:useLocalDpi xmlns:a14="http://schemas.microsoft.com/office/drawing/2010/main" val="0"/>
-              </a:ext>
-            </a:extLst>
-          </a:blip>
-          <a:stretch>
-            <a:fillRect/>
-          </a:stretch>
-        </p:blipFill>
-        <p:spPr>
-          <a:xfrm>
-            <a:off x="752475" y="1624806"/>
-            <a:ext cx="7639050" cy="4438650"/>
-          </a:xfrm>
-          <a:prstGeom prst="rect">
-            <a:avLst/>
-          </a:prstGeom>
-        </p:spPr>
-      </p:pic>
-      <p:sp>
-        <p:nvSpPr>
-          <p:cNvPr id="3" name="직사각형 2"/>
-          <p:cNvSpPr/>
-          <p:nvPr/>
-        </p:nvSpPr>
-        <p:spPr>
-          <a:xfrm>
-            <a:off x="539552" y="5733256"/>
-            <a:ext cx="1944216" cy="576064"/>
-          </a:xfrm>
-          <a:prstGeom prst="rect">
-            <a:avLst/>
-          </a:prstGeom>
-          <a:ln>
-            <a:solidFill>
-              <a:schemeClr val="bg1"/>
-            </a:solidFill>
-          </a:ln>
-        </p:spPr>
-        <p:style>
-          <a:lnRef idx="2">
-            <a:schemeClr val="accent3">
-              <a:shade val="50000"/>
-            </a:schemeClr>
-          </a:lnRef>
-          <a:fillRef idx="1">
-            <a:schemeClr val="accent3"/>
-          </a:fillRef>
-          <a:effectRef idx="0">
-            <a:schemeClr val="accent3"/>
-          </a:effectRef>
-          <a:fontRef idx="minor">
-            <a:schemeClr val="lt1"/>
-          </a:fontRef>
-        </p:style>
-        <p:txBody>
-          <a:bodyPr rtlCol="0" anchor="ctr"/>
-          <a:lstStyle/>
-          <a:p>
-            <a:pPr algn="ctr"/>
-            <a:endParaRPr lang="ko-KR" altLang="en-US"/>
-          </a:p>
-        </p:txBody>
-      </p:sp>
-    </p:spTree>
-    <p:extLst>
-      <p:ext uri="{BB962C8B-B14F-4D97-AF65-F5344CB8AC3E}">
-        <p14:creationId xmlns:p14="http://schemas.microsoft.com/office/powerpoint/2010/main" val="2891113117"/>
-      </p:ext>
-    </p:extLst>
-  </p:cSld>
-  <p:clrMapOvr>
-    <a:masterClrMapping/>
-  </p:clrMapOvr>
-</p:sld>
-</file>
-
-<file path=ppt/slides/slide27.xml><?xml version="1.0" encoding="utf-8"?>
-<p:sld xmlns:a="http://schemas.openxmlformats.org/drawingml/2006/main" xmlns:r="http://schemas.openxmlformats.org/officeDocument/2006/relationships" xmlns:p="http://schemas.openxmlformats.org/presentationml/2006/main">
-  <p:cSld>
-    <p:spTree>
-      <p:nvGrpSpPr>
-        <p:cNvPr id="1" name=""/>
-        <p:cNvGrpSpPr/>
-        <p:nvPr/>
-      </p:nvGrpSpPr>
-      <p:grpSpPr>
-        <a:xfrm>
-          <a:off x="0" y="0"/>
-          <a:ext cx="0" cy="0"/>
-          <a:chOff x="0" y="0"/>
-          <a:chExt cx="0" cy="0"/>
-        </a:xfrm>
-      </p:grpSpPr>
-      <p:sp>
-        <p:nvSpPr>
-          <p:cNvPr id="2" name="제목 1"/>
-          <p:cNvSpPr>
-            <a:spLocks noGrp="1"/>
-          </p:cNvSpPr>
-          <p:nvPr>
-            <p:ph type="title"/>
-          </p:nvPr>
-        </p:nvSpPr>
-        <p:spPr/>
-        <p:txBody>
-          <a:bodyPr/>
-          <a:lstStyle/>
-          <a:p>
-            <a:r>
-              <a:rPr lang="en-US" altLang="ko-KR" dirty="0" smtClean="0"/>
-              <a:t>10.4 </a:t>
-            </a:r>
-            <a:r>
-              <a:rPr lang="ko-KR" altLang="en-US" dirty="0" smtClean="0"/>
-              <a:t>폭포수 모델</a:t>
-            </a:r>
-            <a:r>
-              <a:rPr lang="en-US" altLang="ko-KR" dirty="0"/>
-              <a:t>(Waterfall)</a:t>
-            </a:r>
-            <a:endParaRPr lang="ko-KR" altLang="en-US" dirty="0"/>
-          </a:p>
-        </p:txBody>
-      </p:sp>
-      <p:sp>
-        <p:nvSpPr>
-          <p:cNvPr id="3" name="내용 개체 틀 2"/>
-          <p:cNvSpPr>
-            <a:spLocks noGrp="1"/>
-          </p:cNvSpPr>
-          <p:nvPr>
-            <p:ph idx="1"/>
-          </p:nvPr>
-        </p:nvSpPr>
-        <p:spPr/>
-        <p:txBody>
-          <a:bodyPr/>
-          <a:lstStyle/>
-          <a:p>
-            <a:r>
-              <a:rPr lang="ko-KR" altLang="en-US" dirty="0" smtClean="0"/>
-              <a:t>계획 단계</a:t>
-            </a:r>
-            <a:r>
-              <a:rPr lang="en-US" altLang="ko-KR" dirty="0" smtClean="0"/>
-              <a:t>(Planning)</a:t>
-            </a:r>
-          </a:p>
-          <a:p>
-            <a:pPr lvl="1"/>
-            <a:r>
-              <a:rPr lang="ko-KR" altLang="en-US" dirty="0" smtClean="0"/>
-              <a:t>문제정의</a:t>
-            </a:r>
-            <a:r>
-              <a:rPr lang="en-US" altLang="ko-KR" dirty="0" smtClean="0"/>
-              <a:t>, </a:t>
-            </a:r>
-            <a:r>
-              <a:rPr lang="ko-KR" altLang="en-US" dirty="0" err="1" smtClean="0"/>
-              <a:t>개발범위</a:t>
-            </a:r>
-            <a:r>
-              <a:rPr lang="en-US" altLang="ko-KR" dirty="0" smtClean="0"/>
-              <a:t>, </a:t>
-            </a:r>
-            <a:r>
-              <a:rPr lang="ko-KR" altLang="en-US" dirty="0" err="1" smtClean="0"/>
-              <a:t>작업순서</a:t>
-            </a:r>
-            <a:r>
-              <a:rPr lang="en-US" altLang="ko-KR" dirty="0" smtClean="0"/>
-              <a:t>, </a:t>
-            </a:r>
-            <a:r>
-              <a:rPr lang="ko-KR" altLang="en-US" dirty="0" smtClean="0"/>
-              <a:t>일정</a:t>
-            </a:r>
-            <a:r>
-              <a:rPr lang="en-US" altLang="ko-KR" dirty="0" smtClean="0"/>
-              <a:t>, </a:t>
-            </a:r>
-            <a:r>
-              <a:rPr lang="ko-KR" altLang="en-US" dirty="0" smtClean="0"/>
-              <a:t>비용</a:t>
-            </a:r>
-            <a:r>
-              <a:rPr lang="en-US" altLang="ko-KR" dirty="0"/>
-              <a:t> </a:t>
-            </a:r>
-            <a:r>
-              <a:rPr lang="ko-KR" altLang="en-US" dirty="0" smtClean="0"/>
-              <a:t>등 산정 후 </a:t>
-            </a:r>
-            <a:r>
-              <a:rPr lang="ko-KR" altLang="en-US" b="1" dirty="0" smtClean="0"/>
-              <a:t>신청서</a:t>
-            </a:r>
-            <a:r>
-              <a:rPr lang="ko-KR" altLang="en-US" dirty="0" smtClean="0"/>
-              <a:t> 작성</a:t>
-            </a:r>
-            <a:endParaRPr lang="en-US" altLang="ko-KR" dirty="0" smtClean="0"/>
-          </a:p>
-          <a:p>
-            <a:r>
-              <a:rPr lang="ko-KR" altLang="en-US" dirty="0" smtClean="0"/>
-              <a:t>요구 분석</a:t>
-            </a:r>
-            <a:r>
-              <a:rPr lang="en-US" altLang="ko-KR" dirty="0" smtClean="0"/>
-              <a:t>(Requirement analysis)</a:t>
-            </a:r>
-          </a:p>
-          <a:p>
-            <a:pPr lvl="1"/>
-            <a:r>
-              <a:rPr lang="en-US" altLang="ko-KR" dirty="0" smtClean="0"/>
-              <a:t>As-is</a:t>
-            </a:r>
-            <a:r>
-              <a:rPr lang="ko-KR" altLang="en-US" dirty="0" smtClean="0"/>
-              <a:t>분석</a:t>
-            </a:r>
-            <a:r>
-              <a:rPr lang="en-US" altLang="ko-KR" dirty="0" smtClean="0"/>
-              <a:t>,</a:t>
-            </a:r>
-            <a:r>
-              <a:rPr lang="ko-KR" altLang="en-US" dirty="0" smtClean="0"/>
-              <a:t>인터뷰</a:t>
-            </a:r>
-            <a:r>
-              <a:rPr lang="en-US" altLang="ko-KR" dirty="0" smtClean="0"/>
-              <a:t>, </a:t>
-            </a:r>
-            <a:r>
-              <a:rPr lang="ko-KR" altLang="en-US" dirty="0" err="1" smtClean="0"/>
-              <a:t>장표</a:t>
-            </a:r>
-            <a:r>
-              <a:rPr lang="ko-KR" altLang="en-US" dirty="0" smtClean="0"/>
-              <a:t> 등 분석을 통한 요구사항 명세서 작성</a:t>
-            </a:r>
-            <a:endParaRPr lang="en-US" altLang="ko-KR" dirty="0" smtClean="0"/>
-          </a:p>
-          <a:p>
-            <a:pPr lvl="1"/>
-            <a:r>
-              <a:rPr lang="ko-KR" altLang="en-US" dirty="0" smtClean="0">
-                <a:solidFill>
-                  <a:srgbClr val="FF0000"/>
-                </a:solidFill>
-              </a:rPr>
-              <a:t>논문</a:t>
-            </a:r>
-            <a:r>
-              <a:rPr lang="en-US" altLang="ko-KR" dirty="0">
-                <a:solidFill>
-                  <a:srgbClr val="FF0000"/>
-                </a:solidFill>
-              </a:rPr>
-              <a:t>, </a:t>
-            </a:r>
-            <a:r>
-              <a:rPr lang="ko-KR" altLang="en-US" dirty="0" smtClean="0">
-                <a:solidFill>
-                  <a:srgbClr val="FF0000"/>
-                </a:solidFill>
-              </a:rPr>
-              <a:t>특허</a:t>
-            </a:r>
-            <a:r>
-              <a:rPr lang="en-US" altLang="ko-KR" dirty="0" smtClean="0">
-                <a:solidFill>
-                  <a:srgbClr val="FF0000"/>
-                </a:solidFill>
-              </a:rPr>
-              <a:t>, </a:t>
-            </a:r>
-            <a:r>
-              <a:rPr lang="ko-KR" altLang="en-US" dirty="0" smtClean="0">
-                <a:solidFill>
-                  <a:srgbClr val="FF0000"/>
-                </a:solidFill>
-              </a:rPr>
-              <a:t>시제품 등을 사례 조사</a:t>
-            </a:r>
-            <a:endParaRPr lang="en-US" altLang="ko-KR" dirty="0" smtClean="0">
-              <a:solidFill>
-                <a:srgbClr val="FF0000"/>
-              </a:solidFill>
-            </a:endParaRPr>
-          </a:p>
-          <a:p>
-            <a:r>
-              <a:rPr lang="ko-KR" altLang="en-US" dirty="0" smtClean="0"/>
-              <a:t>설계 단계</a:t>
-            </a:r>
-            <a:r>
-              <a:rPr lang="en-US" altLang="ko-KR" dirty="0" smtClean="0"/>
-              <a:t>(design)</a:t>
-            </a:r>
-          </a:p>
-          <a:p>
-            <a:pPr lvl="1"/>
-            <a:r>
-              <a:rPr lang="ko-KR" altLang="en-US" dirty="0" smtClean="0"/>
-              <a:t>아키텍처</a:t>
-            </a:r>
-            <a:r>
-              <a:rPr lang="en-US" altLang="ko-KR" dirty="0" smtClean="0"/>
-              <a:t>, </a:t>
-            </a:r>
-            <a:r>
-              <a:rPr lang="ko-KR" altLang="en-US" dirty="0" smtClean="0"/>
-              <a:t>기능</a:t>
-            </a:r>
-            <a:r>
-              <a:rPr lang="en-US" altLang="ko-KR" dirty="0" smtClean="0"/>
-              <a:t>, DB, </a:t>
-            </a:r>
-            <a:r>
-              <a:rPr lang="ko-KR" altLang="en-US" dirty="0" smtClean="0"/>
-              <a:t>인터페이스 설계</a:t>
-            </a:r>
-            <a:endParaRPr lang="en-US" altLang="ko-KR" dirty="0" smtClean="0"/>
-          </a:p>
-          <a:p>
-            <a:r>
-              <a:rPr lang="ko-KR" altLang="en-US" dirty="0" smtClean="0"/>
-              <a:t>구현 단계</a:t>
-            </a:r>
-            <a:r>
-              <a:rPr lang="en-US" altLang="ko-KR" dirty="0" smtClean="0"/>
-              <a:t>(Implement)</a:t>
-            </a:r>
-          </a:p>
-          <a:p>
-            <a:pPr lvl="1"/>
-            <a:r>
-              <a:rPr lang="ko-KR" altLang="en-US" dirty="0" smtClean="0"/>
-              <a:t>코딩</a:t>
-            </a:r>
-            <a:r>
-              <a:rPr lang="en-US" altLang="ko-KR" dirty="0" smtClean="0"/>
-              <a:t>(secure coding)</a:t>
-            </a:r>
-          </a:p>
-          <a:p>
-            <a:r>
-              <a:rPr lang="ko-KR" altLang="en-US" dirty="0" smtClean="0"/>
-              <a:t>테스트</a:t>
-            </a:r>
-            <a:r>
-              <a:rPr lang="en-US" altLang="ko-KR" dirty="0" smtClean="0"/>
-              <a:t>(test)</a:t>
-            </a:r>
-          </a:p>
-          <a:p>
-            <a:pPr lvl="1"/>
-            <a:r>
-              <a:rPr lang="ko-KR" altLang="en-US" dirty="0" smtClean="0"/>
-              <a:t>단위 테스트</a:t>
-            </a:r>
-            <a:r>
-              <a:rPr lang="en-US" altLang="ko-KR" dirty="0" smtClean="0"/>
-              <a:t>, </a:t>
-            </a:r>
-            <a:r>
-              <a:rPr lang="ko-KR" altLang="en-US" dirty="0" smtClean="0"/>
-              <a:t>기능 테스트</a:t>
-            </a:r>
-            <a:r>
-              <a:rPr lang="en-US" altLang="ko-KR" dirty="0" smtClean="0"/>
-              <a:t>, </a:t>
-            </a:r>
-            <a:r>
-              <a:rPr lang="ko-KR" altLang="en-US" dirty="0" smtClean="0"/>
-              <a:t>통합 테스트</a:t>
-            </a:r>
-            <a:endParaRPr lang="en-US" altLang="ko-KR" dirty="0" smtClean="0"/>
-          </a:p>
-          <a:p>
-            <a:r>
-              <a:rPr lang="ko-KR" altLang="en-US" dirty="0" smtClean="0"/>
-              <a:t>유지보수</a:t>
-            </a:r>
-            <a:r>
-              <a:rPr lang="en-US" altLang="ko-KR" dirty="0" smtClean="0"/>
-              <a:t>(Maintenance)</a:t>
-            </a:r>
-          </a:p>
-          <a:p>
-            <a:pPr lvl="1"/>
-            <a:r>
-              <a:rPr lang="ko-KR" altLang="en-US" dirty="0" smtClean="0"/>
-              <a:t>수정</a:t>
-            </a:r>
-            <a:r>
-              <a:rPr lang="en-US" altLang="ko-KR" dirty="0" smtClean="0"/>
-              <a:t>, </a:t>
-            </a:r>
-            <a:r>
-              <a:rPr lang="ko-KR" altLang="en-US" dirty="0" smtClean="0"/>
-              <a:t>적응</a:t>
-            </a:r>
-            <a:r>
-              <a:rPr lang="en-US" altLang="ko-KR" dirty="0" smtClean="0"/>
-              <a:t>, </a:t>
-            </a:r>
-            <a:r>
-              <a:rPr lang="ko-KR" altLang="en-US" dirty="0" smtClean="0"/>
-              <a:t>기능 보강</a:t>
-            </a:r>
-            <a:r>
-              <a:rPr lang="en-US" altLang="ko-KR" dirty="0" smtClean="0"/>
-              <a:t>, </a:t>
-            </a:r>
-            <a:r>
-              <a:rPr lang="ko-KR" altLang="en-US" dirty="0" smtClean="0"/>
-              <a:t>예방 유지보수</a:t>
-            </a:r>
-            <a:endParaRPr lang="en-US" altLang="ko-KR" dirty="0" smtClean="0"/>
-          </a:p>
-          <a:p>
-            <a:endParaRPr lang="ko-KR" altLang="en-US" dirty="0"/>
-          </a:p>
-        </p:txBody>
-      </p:sp>
-      <p:sp>
-        <p:nvSpPr>
-          <p:cNvPr id="4" name="바닥글 개체 틀 3"/>
-          <p:cNvSpPr>
-            <a:spLocks noGrp="1"/>
-          </p:cNvSpPr>
-          <p:nvPr>
-            <p:ph type="ftr" sz="quarter" idx="11"/>
-          </p:nvPr>
-        </p:nvSpPr>
-        <p:spPr/>
-        <p:txBody>
-          <a:bodyPr/>
-          <a:lstStyle/>
-          <a:p>
-            <a:pPr>
-              <a:defRPr/>
-            </a:pPr>
-            <a:r>
-              <a:rPr lang="ko-KR" altLang="en-US" dirty="0" err="1" smtClean="0"/>
-              <a:t>캡스톤</a:t>
-            </a:r>
-            <a:r>
-              <a:rPr lang="ko-KR" altLang="en-US" dirty="0" smtClean="0"/>
-              <a:t> 디자인</a:t>
-            </a:r>
-            <a:endParaRPr lang="en-US" altLang="ko-KR" dirty="0"/>
-          </a:p>
-        </p:txBody>
-      </p:sp>
-      <p:sp>
-        <p:nvSpPr>
-          <p:cNvPr id="5" name="슬라이드 번호 개체 틀 4"/>
-          <p:cNvSpPr>
-            <a:spLocks noGrp="1"/>
-          </p:cNvSpPr>
-          <p:nvPr>
-            <p:ph type="sldNum" sz="quarter" idx="12"/>
-          </p:nvPr>
-        </p:nvSpPr>
-        <p:spPr/>
-        <p:txBody>
-          <a:bodyPr/>
-          <a:lstStyle/>
-          <a:p>
-            <a:pPr>
-              <a:defRPr/>
-            </a:pPr>
-            <a:fld id="{74FB7142-74FB-426E-B185-2DFDDD84B7D7}" type="slidenum">
-              <a:rPr lang="en-US" altLang="ko-KR" smtClean="0"/>
-              <a:pPr>
-                <a:defRPr/>
-              </a:pPr>
-              <a:t>27</a:t>
-            </a:fld>
-            <a:endParaRPr lang="en-US" altLang="ko-KR"/>
-          </a:p>
-        </p:txBody>
-      </p:sp>
-      <p:sp>
-        <p:nvSpPr>
-          <p:cNvPr id="6" name="TextBox 5"/>
-          <p:cNvSpPr txBox="1"/>
-          <p:nvPr/>
-        </p:nvSpPr>
-        <p:spPr>
-          <a:xfrm>
-            <a:off x="6876256" y="3276255"/>
-            <a:ext cx="1656184" cy="1477328"/>
-          </a:xfrm>
-          <a:prstGeom prst="rect">
-            <a:avLst/>
-          </a:prstGeom>
-          <a:solidFill>
-            <a:schemeClr val="accent2">
-              <a:lumMod val="20000"/>
-              <a:lumOff val="80000"/>
-            </a:schemeClr>
-          </a:solidFill>
-        </p:spPr>
-        <p:txBody>
-          <a:bodyPr wrap="square" rtlCol="0">
-            <a:spAutoFit/>
-          </a:bodyPr>
-          <a:lstStyle/>
-          <a:p>
-            <a:r>
-              <a:rPr lang="ko-KR" altLang="en-US" dirty="0" smtClean="0"/>
-              <a:t>신청서</a:t>
-            </a:r>
-            <a:endParaRPr lang="en-US" altLang="ko-KR" dirty="0" smtClean="0"/>
-          </a:p>
-          <a:p>
-            <a:r>
-              <a:rPr lang="ko-KR" altLang="en-US" dirty="0" smtClean="0"/>
-              <a:t>회의록</a:t>
-            </a:r>
-            <a:endParaRPr lang="en-US" altLang="ko-KR" dirty="0" smtClean="0"/>
-          </a:p>
-          <a:p>
-            <a:r>
-              <a:rPr lang="ko-KR" altLang="en-US" dirty="0" smtClean="0"/>
-              <a:t>중간보고서</a:t>
-            </a:r>
-            <a:endParaRPr lang="en-US" altLang="ko-KR" dirty="0" smtClean="0"/>
-          </a:p>
-          <a:p>
-            <a:r>
-              <a:rPr lang="ko-KR" altLang="en-US" dirty="0" err="1" smtClean="0"/>
-              <a:t>자문보고서</a:t>
-            </a:r>
-            <a:endParaRPr lang="en-US" altLang="ko-KR" dirty="0" smtClean="0"/>
-          </a:p>
-          <a:p>
-            <a:r>
-              <a:rPr lang="ko-KR" altLang="en-US" dirty="0" smtClean="0"/>
-              <a:t>결과보고서</a:t>
-            </a:r>
-            <a:endParaRPr lang="ko-KR" altLang="en-US" dirty="0"/>
-          </a:p>
-        </p:txBody>
-      </p:sp>
-    </p:spTree>
-    <p:extLst>
-      <p:ext uri="{BB962C8B-B14F-4D97-AF65-F5344CB8AC3E}">
-        <p14:creationId xmlns:p14="http://schemas.microsoft.com/office/powerpoint/2010/main" val="1498193994"/>
-      </p:ext>
-    </p:extLst>
-  </p:cSld>
-  <p:clrMapOvr>
-    <a:masterClrMapping/>
-  </p:clrMapOvr>
-</p:sld>
-</file>
-
 <file path=ppt/slides/slide3.xml><?xml version="1.0" encoding="utf-8"?>
 <p:sld xmlns:a="http://schemas.openxmlformats.org/drawingml/2006/main" xmlns:r="http://schemas.openxmlformats.org/officeDocument/2006/relationships" xmlns:p="http://schemas.openxmlformats.org/presentationml/2006/main">
   <p:cSld>
@@ -19854,14 +17807,14 @@
           <p:nvPr>
             <p:extLst>
               <p:ext uri="{D42A27DB-BD31-4B8C-83A1-F6EECF244321}">
-                <p14:modId xmlns:p14="http://schemas.microsoft.com/office/powerpoint/2010/main" val="3655980939"/>
+                <p14:modId xmlns:p14="http://schemas.microsoft.com/office/powerpoint/2010/main" val="581984046"/>
               </p:ext>
             </p:extLst>
           </p:nvPr>
         </p:nvGraphicFramePr>
         <p:xfrm>
           <a:off x="457200" y="1340772"/>
-          <a:ext cx="8229600" cy="4879022"/>
+          <a:ext cx="8229600" cy="4832286"/>
         </p:xfrm>
         <a:graphic>
           <a:graphicData uri="http://schemas.openxmlformats.org/drawingml/2006/table">
@@ -20456,7 +18409,7 @@
                         </a:spcAft>
                       </a:pPr>
                       <a:r>
-                        <a:rPr lang="ko-KR" altLang="en-US" sz="1400" kern="0" spc="0">
+                        <a:rPr lang="ko-KR" altLang="en-US" sz="1400" kern="0" spc="0" dirty="0" smtClean="0">
                           <a:solidFill>
                             <a:srgbClr val="000000"/>
                           </a:solidFill>
@@ -20464,9 +18417,20 @@
                           <a:latin typeface="휴먼명조"/>
                           <a:ea typeface="휴먼명조"/>
                         </a:rPr>
-                        <a:t>매칭 기반 마련</a:t>
-                      </a:r>
-                      <a:endParaRPr lang="ko-KR" altLang="en-US" sz="1400" kern="0" spc="0">
+                        <a:t>팀 구성 </a:t>
+                      </a:r>
+                      <a:r>
+                        <a:rPr lang="ko-KR" altLang="en-US" sz="1400" kern="0" spc="0" dirty="0">
+                          <a:solidFill>
+                            <a:srgbClr val="000000"/>
+                          </a:solidFill>
+                          <a:effectLst/>
+                          <a:latin typeface="휴먼명조"/>
+                          <a:ea typeface="휴먼명조"/>
+                        </a:rPr>
+                        <a:t>마련</a:t>
+                      </a:r>
+                      <a:endParaRPr lang="ko-KR" altLang="en-US" sz="1400" kern="0" spc="0" dirty="0">
                         <a:solidFill>
                           <a:srgbClr val="000000"/>
                         </a:solidFill>
@@ -20687,19 +18651,41 @@
                         </a:spcAft>
                       </a:pPr>
                       <a:r>
-                        <a:rPr lang="ko-KR" altLang="en-US" sz="1400" kern="0" spc="0">
-                          <a:solidFill>
-                            <a:srgbClr val="000000"/>
+                        <a:rPr lang="ko-KR" altLang="en-US" sz="1400" kern="0" spc="0" dirty="0" smtClean="0">
+                          <a:solidFill>
+                            <a:srgbClr val="FF0000"/>
                           </a:solidFill>
                           <a:effectLst/>
                           <a:latin typeface="휴먼명조"/>
                           <a:ea typeface="휴먼명조"/>
                         </a:rPr>
-                        <a:t>팀별 매칭 안내</a:t>
-                      </a:r>
-                      <a:endParaRPr lang="ko-KR" altLang="en-US" sz="1400" kern="0" spc="0">
+                        <a:t>주제 선정 및 </a:t>
+                      </a:r>
+                      <a:r>
+                        <a:rPr lang="ko-KR" altLang="en-US" sz="1400" kern="0" spc="0" dirty="0" err="1" smtClean="0">
+                          <a:solidFill>
+                            <a:srgbClr val="FF0000"/>
+                          </a:solidFill>
+                          <a:effectLst/>
+                          <a:latin typeface="휴먼명조"/>
+                          <a:ea typeface="휴먼명조"/>
+                        </a:rPr>
+                        <a:t>팀별</a:t>
+                      </a:r>
+                      <a:r>
+                        <a:rPr lang="ko-KR" altLang="en-US" sz="1400" kern="0" spc="0" dirty="0" smtClean="0">
+                          <a:solidFill>
+                            <a:srgbClr val="FF0000"/>
+                          </a:solidFill>
+                          <a:effectLst/>
+                          <a:latin typeface="휴먼명조"/>
+                          <a:ea typeface="휴먼명조"/>
+                        </a:rPr>
+                        <a:t> 매칭</a:t>
+                      </a:r>
+                      <a:endParaRPr lang="ko-KR" altLang="en-US" sz="1400" kern="0" spc="0" dirty="0">
                         <a:solidFill>
-                          <a:srgbClr val="000000"/>
+                          <a:srgbClr val="FF0000"/>
                         </a:solidFill>
                         <a:effectLst/>
                         <a:latin typeface="함초롬바탕" panose="02030604000101010101" pitchFamily="18" charset="-127"/>
@@ -20756,30 +18742,41 @@
                         </a:spcAft>
                       </a:pPr>
                       <a:r>
-                        <a:rPr lang="en-US" sz="1400" kern="0" spc="0" dirty="0">
-                          <a:solidFill>
-                            <a:srgbClr val="000000"/>
+                        <a:rPr lang="en-US" sz="1400" kern="0" spc="0" dirty="0" smtClean="0">
+                          <a:solidFill>
+                            <a:srgbClr val="FF0000"/>
                           </a:solidFill>
                           <a:effectLst/>
                           <a:latin typeface="휴먼명조"/>
                           <a:ea typeface="휴먼명조"/>
                         </a:rPr>
-                        <a:t>2020.03.02. ~ </a:t>
-                      </a:r>
-                      <a:r>
-                        <a:rPr lang="en-US" sz="1400" kern="0" spc="0" dirty="0" smtClean="0">
-                          <a:solidFill>
-                            <a:srgbClr val="000000"/>
+                        <a:t>2020.03.08. </a:t>
+                      </a:r>
+                      <a:r>
+                        <a:rPr lang="en-US" sz="1400" kern="0" spc="0" dirty="0">
+                          <a:solidFill>
+                            <a:srgbClr val="FF0000"/>
                           </a:solidFill>
                           <a:effectLst/>
                           <a:latin typeface="휴먼명조"/>
                           <a:ea typeface="휴먼명조"/>
                         </a:rPr>
+                        <a:t>~ </a:t>
+                      </a:r>
+                      <a:r>
+                        <a:rPr lang="en-US" sz="1400" kern="0" spc="0" dirty="0" smtClean="0">
+                          <a:solidFill>
+                            <a:srgbClr val="FF0000"/>
+                          </a:solidFill>
+                          <a:effectLst/>
+                          <a:latin typeface="휴먼명조"/>
+                          <a:ea typeface="휴먼명조"/>
+                        </a:rPr>
                         <a:t>03.12.</a:t>
                       </a:r>
                       <a:endParaRPr lang="en-US" sz="1400" kern="0" spc="0" dirty="0">
                         <a:solidFill>
-                          <a:srgbClr val="000000"/>
+                          <a:srgbClr val="FF0000"/>
                         </a:solidFill>
                         <a:effectLst/>
                         <a:latin typeface="함초롬바탕" panose="02030604000101010101" pitchFamily="18" charset="-127"/>
@@ -20844,7 +18841,7 @@
                       <a:r>
                         <a:rPr lang="en-US" sz="1400" kern="0" spc="0" dirty="0" err="1">
                           <a:solidFill>
-                            <a:srgbClr val="000000"/>
+                            <a:srgbClr val="FF0000"/>
                           </a:solidFill>
                           <a:effectLst/>
                           <a:latin typeface="휴먼명조"/>
@@ -20855,7 +18852,7 @@
                       <a:r>
                         <a:rPr lang="en-US" sz="1400" kern="0" spc="0" dirty="0">
                           <a:solidFill>
-                            <a:srgbClr val="000000"/>
+                            <a:srgbClr val="FF0000"/>
                           </a:solidFill>
                           <a:effectLst/>
                           <a:latin typeface="휴먼명조"/>
@@ -20866,7 +18863,7 @@
                       <a:r>
                         <a:rPr lang="ko-KR" altLang="en-US" sz="1400" kern="0" spc="0" dirty="0" smtClean="0">
                           <a:solidFill>
-                            <a:srgbClr val="000000"/>
+                            <a:srgbClr val="FF0000"/>
                           </a:solidFill>
                           <a:effectLst/>
                           <a:latin typeface="휴먼명조"/>
@@ -20877,7 +18874,7 @@
                       <a:r>
                         <a:rPr lang="en-US" altLang="ko-KR" sz="1400" kern="0" spc="0" dirty="0" smtClean="0">
                           <a:solidFill>
-                            <a:srgbClr val="000000"/>
+                            <a:srgbClr val="FF0000"/>
                           </a:solidFill>
                           <a:effectLst/>
                           <a:latin typeface="휴먼명조"/>
@@ -20888,7 +18885,7 @@
                       <a:r>
                         <a:rPr lang="ko-KR" altLang="en-US" sz="1400" kern="0" spc="0" baseline="0" dirty="0" smtClean="0">
                           <a:solidFill>
-                            <a:srgbClr val="000000"/>
+                            <a:srgbClr val="FF0000"/>
                           </a:solidFill>
                           <a:effectLst/>
                           <a:latin typeface="휴먼명조"/>
@@ -20898,7 +18895,7 @@
                       </a:r>
                       <a:endParaRPr lang="ko-KR" altLang="en-US" sz="1400" kern="0" spc="0" dirty="0">
                         <a:solidFill>
-                          <a:srgbClr val="000000"/>
+                          <a:srgbClr val="FF0000"/>
                         </a:solidFill>
                         <a:effectLst/>
                         <a:latin typeface="함초롬바탕" panose="02030604000101010101" pitchFamily="18" charset="-127"/>
@@ -21031,7 +19028,7 @@
                         </a:spcAft>
                       </a:pPr>
                       <a:r>
-                        <a:rPr lang="en-US" sz="1400" kern="0" spc="0" dirty="0">
+                        <a:rPr lang="en-US" sz="1400" kern="0" spc="0" dirty="0" smtClean="0">
                           <a:solidFill>
                             <a:srgbClr val="000000"/>
                           </a:solidFill>
@@ -21039,7 +19036,18 @@
                           <a:latin typeface="휴먼명조"/>
                           <a:ea typeface="휴먼명조"/>
                         </a:rPr>
-                        <a:t>2020.03.09. ~ </a:t>
+                        <a:t>2020.03.08. </a:t>
+                      </a:r>
+                      <a:r>
+                        <a:rPr lang="en-US" sz="1400" kern="0" spc="0" dirty="0">
+                          <a:solidFill>
+                            <a:srgbClr val="000000"/>
+                          </a:solidFill>
+                          <a:effectLst/>
+                          <a:latin typeface="휴먼명조"/>
+                          <a:ea typeface="휴먼명조"/>
+                        </a:rPr>
+                        <a:t>~ </a:t>
                       </a:r>
                       <a:r>
                         <a:rPr lang="en-US" sz="1400" kern="0" spc="0" dirty="0" smtClean="0">
@@ -21119,7 +19127,7 @@
                       <a:r>
                         <a:rPr lang="ko-KR" altLang="en-US" sz="1400" kern="0" spc="0" dirty="0">
                           <a:solidFill>
-                            <a:srgbClr val="FF0000"/>
+                            <a:schemeClr val="tx1"/>
                           </a:solidFill>
                           <a:effectLst/>
                           <a:latin typeface="휴먼명조"/>
@@ -21130,7 +19138,7 @@
                       <a:r>
                         <a:rPr lang="ko-KR" altLang="en-US" sz="1400" kern="0" spc="0" dirty="0" smtClean="0">
                           <a:solidFill>
-                            <a:srgbClr val="FF0000"/>
+                            <a:schemeClr val="tx1"/>
                           </a:solidFill>
                           <a:effectLst/>
                           <a:latin typeface="휴먼명조"/>
@@ -21141,7 +19149,7 @@
                       <a:r>
                         <a:rPr lang="en-US" altLang="ko-KR" sz="1400" kern="0" spc="0" dirty="0" smtClean="0">
                           <a:solidFill>
-                            <a:srgbClr val="FF0000"/>
+                            <a:schemeClr val="tx1"/>
                           </a:solidFill>
                           <a:effectLst/>
                           <a:latin typeface="휴먼명조"/>
@@ -21152,7 +19160,7 @@
                       <a:r>
                         <a:rPr lang="ko-KR" altLang="en-US" sz="1400" kern="0" spc="0" dirty="0" err="1" smtClean="0">
                           <a:solidFill>
-                            <a:srgbClr val="FF0000"/>
+                            <a:schemeClr val="tx1"/>
                           </a:solidFill>
                           <a:effectLst/>
                           <a:latin typeface="휴먼명조"/>
@@ -21163,7 +19171,7 @@
                       <a:r>
                         <a:rPr lang="en-US" altLang="ko-KR" sz="1400" kern="0" spc="0" dirty="0" smtClean="0">
                           <a:solidFill>
-                            <a:srgbClr val="FF0000"/>
+                            <a:schemeClr val="tx1"/>
                           </a:solidFill>
                           <a:effectLst/>
                           <a:latin typeface="휴먼명조"/>
@@ -21173,7 +19181,7 @@
                       </a:r>
                       <a:endParaRPr lang="ko-KR" altLang="en-US" sz="1400" kern="0" spc="0" dirty="0">
                         <a:solidFill>
-                          <a:srgbClr val="FF0000"/>
+                          <a:schemeClr val="tx1"/>
                         </a:solidFill>
                         <a:effectLst/>
                         <a:latin typeface="함초롬바탕" panose="02030604000101010101" pitchFamily="18" charset="-127"/>
@@ -22082,7 +20090,7 @@
                       <a:r>
                         <a:rPr lang="ko-KR" altLang="en-US" sz="1400" kern="0" spc="0" dirty="0" err="1">
                           <a:solidFill>
-                            <a:srgbClr val="000000"/>
+                            <a:srgbClr val="FF0000"/>
                           </a:solidFill>
                           <a:effectLst/>
                           <a:latin typeface="휴먼명조"/>
@@ -22092,7 +20100,7 @@
                       </a:r>
                       <a:endParaRPr lang="ko-KR" altLang="en-US" sz="1400" kern="0" spc="0" dirty="0">
                         <a:solidFill>
-                          <a:srgbClr val="000000"/>
+                          <a:srgbClr val="FF0000"/>
                         </a:solidFill>
                         <a:effectLst/>
                         <a:latin typeface="함초롬바탕" panose="02030604000101010101" pitchFamily="18" charset="-127"/>
@@ -22151,18 +20159,18 @@
                       <a:r>
                         <a:rPr lang="en-US" sz="1400" kern="0" spc="0" dirty="0" smtClean="0">
                           <a:solidFill>
-                            <a:srgbClr val="000000"/>
+                            <a:srgbClr val="FF0000"/>
                           </a:solidFill>
                           <a:effectLst/>
                           <a:latin typeface="휴먼명조"/>
                           <a:ea typeface="휴먼명조"/>
                         </a:rPr>
-                        <a:t>2020.06.19.(</a:t>
+                        <a:t>2020.06.14.(</a:t>
                       </a:r>
                       <a:r>
                         <a:rPr lang="ko-KR" altLang="en-US" sz="1400" kern="0" spc="0" dirty="0" smtClean="0">
                           <a:solidFill>
-                            <a:srgbClr val="000000"/>
+                            <a:srgbClr val="FF0000"/>
                           </a:solidFill>
                           <a:effectLst/>
                           <a:latin typeface="휴먼명조"/>
@@ -22173,7 +20181,7 @@
                       <a:r>
                         <a:rPr lang="en-US" altLang="ko-KR" sz="1400" kern="0" spc="0" dirty="0" smtClean="0">
                           <a:solidFill>
-                            <a:srgbClr val="000000"/>
+                            <a:srgbClr val="FF0000"/>
                           </a:solidFill>
                           <a:effectLst/>
                           <a:latin typeface="휴먼명조"/>
@@ -22183,7 +20191,7 @@
                       </a:r>
                       <a:endParaRPr lang="en-US" sz="1400" kern="0" spc="0" dirty="0">
                         <a:solidFill>
-                          <a:srgbClr val="000000"/>
+                          <a:srgbClr val="FF0000"/>
                         </a:solidFill>
                         <a:effectLst/>
                         <a:latin typeface="함초롬바탕" panose="02030604000101010101" pitchFamily="18" charset="-127"/>
@@ -22248,7 +20256,7 @@
                       <a:r>
                         <a:rPr lang="en-US" altLang="ko-KR" sz="1400" kern="0" spc="-20" dirty="0">
                           <a:solidFill>
-                            <a:srgbClr val="000000"/>
+                            <a:srgbClr val="FF0000"/>
                           </a:solidFill>
                           <a:effectLst/>
                           <a:latin typeface="휴먼명조"/>
@@ -22259,7 +20267,7 @@
                       <a:r>
                         <a:rPr lang="ko-KR" altLang="en-US" sz="1400" kern="0" spc="-20" dirty="0" err="1" smtClean="0">
                           <a:solidFill>
-                            <a:srgbClr val="000000"/>
+                            <a:srgbClr val="FF0000"/>
                           </a:solidFill>
                           <a:effectLst/>
                           <a:latin typeface="휴먼명조"/>
@@ -22270,7 +20278,7 @@
                       <a:r>
                         <a:rPr lang="ko-KR" altLang="en-US" sz="1400" kern="0" spc="-20" baseline="0" dirty="0" smtClean="0">
                           <a:solidFill>
-                            <a:srgbClr val="000000"/>
+                            <a:srgbClr val="FF0000"/>
                           </a:solidFill>
                           <a:effectLst/>
                           <a:latin typeface="휴먼명조"/>
@@ -22281,7 +20289,7 @@
                       <a:r>
                         <a:rPr lang="en-US" altLang="ko-KR" sz="1400" kern="0" spc="-20" dirty="0" smtClean="0">
                           <a:solidFill>
-                            <a:srgbClr val="000000"/>
+                            <a:srgbClr val="FF0000"/>
                           </a:solidFill>
                           <a:effectLst/>
                           <a:latin typeface="휴먼명조"/>
@@ -22291,7 +20299,7 @@
                       </a:r>
                       <a:endParaRPr lang="ko-KR" altLang="en-US" sz="1400" kern="0" spc="0" dirty="0">
                         <a:solidFill>
-                          <a:srgbClr val="000000"/>
+                          <a:srgbClr val="FF0000"/>
                         </a:solidFill>
                         <a:effectLst/>
                         <a:latin typeface="함초롬바탕" panose="02030604000101010101" pitchFamily="18" charset="-127"/>
